--- a/ppt/GNU CS 과학캠프.pptx
+++ b/ppt/GNU CS 과학캠프.pptx
@@ -5969,11 +5969,7 @@
             <a:pPr lvl="1"/>
             <a:r>
               <a:rPr lang="ko-KR" altLang="en-US" dirty="0" smtClean="0"/>
-              <a:t>숭실대학교 전산과 </a:t>
-            </a:r>
-            <a:r>
-              <a:rPr lang="ko-KR" altLang="en-US" dirty="0" smtClean="0"/>
-              <a:t>박사</a:t>
+              <a:t>숭실대학교 전산과 박사</a:t>
             </a:r>
             <a:endParaRPr lang="en-US" altLang="ko-KR" dirty="0" smtClean="0"/>
           </a:p>
@@ -6479,11 +6475,7 @@
             <a:pPr lvl="1"/>
             <a:r>
               <a:rPr lang="ko-KR" altLang="en-US" dirty="0" smtClean="0"/>
-              <a:t>경상대학교 컴퓨터과학과 </a:t>
-            </a:r>
-            <a:r>
-              <a:rPr lang="ko-KR" altLang="en-US" dirty="0" smtClean="0"/>
-              <a:t>학사</a:t>
+              <a:t>경상대학교 컴퓨터과학과 학사</a:t>
             </a:r>
             <a:endParaRPr lang="en-US" altLang="ko-KR" dirty="0" smtClean="0"/>
           </a:p>
@@ -7202,11 +7194,23 @@
             <a:pPr lvl="1"/>
             <a:r>
               <a:rPr lang="ko-KR" altLang="en-US" dirty="0" smtClean="0"/>
-              <a:t>직접 짤 수 있을 정도의 </a:t>
+              <a:t>직접 짤 수 있을 정도의 능력은 내용을 듣고 스스로 </a:t>
             </a:r>
             <a:r>
               <a:rPr lang="ko-KR" altLang="en-US" dirty="0" smtClean="0"/>
-              <a:t>능력은 내용을 듣고 스스로 길러야 합니다</a:t>
+              <a:t>공부하고 </a:t>
+            </a:r>
+            <a:r>
+              <a:rPr lang="ko-KR" altLang="en-US" dirty="0" err="1" smtClean="0"/>
+              <a:t>코딩해봐야</a:t>
+            </a:r>
+            <a:r>
+              <a:rPr lang="ko-KR" altLang="en-US" dirty="0" smtClean="0"/>
+              <a:t> </a:t>
+            </a:r>
+            <a:r>
+              <a:rPr lang="ko-KR" altLang="en-US" dirty="0" smtClean="0"/>
+              <a:t>합니다</a:t>
             </a:r>
             <a:r>
               <a:rPr lang="en-US" altLang="ko-KR" dirty="0" smtClean="0"/>
@@ -7245,11 +7249,7 @@
             </a:r>
             <a:r>
               <a:rPr lang="ko-KR" altLang="en-US" dirty="0" smtClean="0"/>
-              <a:t> </a:t>
-            </a:r>
-            <a:r>
-              <a:rPr lang="ko-KR" altLang="en-US" dirty="0" smtClean="0"/>
-              <a:t>문법</a:t>
+              <a:t> 문법</a:t>
             </a:r>
             <a:endParaRPr lang="en-US" altLang="ko-KR" dirty="0" smtClean="0"/>
           </a:p>

--- a/ppt/GNU CS 과학캠프.pptx
+++ b/ppt/GNU CS 과학캠프.pptx
@@ -251,7 +251,7 @@
           <a:p>
             <a:fld id="{4A61891F-26D4-4EED-9BA8-111B4F671ED2}" type="datetimeFigureOut">
               <a:rPr lang="ko-KR" altLang="en-US" smtClean="0"/>
-              <a:t>2017-07-20</a:t>
+              <a:t>2017-07-24</a:t>
             </a:fld>
             <a:endParaRPr lang="ko-KR" altLang="en-US"/>
           </a:p>
@@ -538,7 +538,7 @@
           <a:p>
             <a:fld id="{4A61891F-26D4-4EED-9BA8-111B4F671ED2}" type="datetimeFigureOut">
               <a:rPr lang="ko-KR" altLang="en-US" smtClean="0"/>
-              <a:t>2017-07-20</a:t>
+              <a:t>2017-07-24</a:t>
             </a:fld>
             <a:endParaRPr lang="ko-KR" altLang="en-US"/>
           </a:p>
@@ -730,7 +730,7 @@
           <a:p>
             <a:fld id="{4A61891F-26D4-4EED-9BA8-111B4F671ED2}" type="datetimeFigureOut">
               <a:rPr lang="ko-KR" altLang="en-US" smtClean="0"/>
-              <a:t>2017-07-20</a:t>
+              <a:t>2017-07-24</a:t>
             </a:fld>
             <a:endParaRPr lang="ko-KR" altLang="en-US"/>
           </a:p>
@@ -991,7 +991,7 @@
           <a:p>
             <a:fld id="{4A61891F-26D4-4EED-9BA8-111B4F671ED2}" type="datetimeFigureOut">
               <a:rPr lang="ko-KR" altLang="en-US" smtClean="0"/>
-              <a:t>2017-07-20</a:t>
+              <a:t>2017-07-24</a:t>
             </a:fld>
             <a:endParaRPr lang="ko-KR" altLang="en-US"/>
           </a:p>
@@ -1415,7 +1415,7 @@
           <a:p>
             <a:fld id="{4A61891F-26D4-4EED-9BA8-111B4F671ED2}" type="datetimeFigureOut">
               <a:rPr lang="ko-KR" altLang="en-US" smtClean="0"/>
-              <a:t>2017-07-20</a:t>
+              <a:t>2017-07-24</a:t>
             </a:fld>
             <a:endParaRPr lang="ko-KR" altLang="en-US"/>
           </a:p>
@@ -1961,7 +1961,7 @@
           <a:p>
             <a:fld id="{4A61891F-26D4-4EED-9BA8-111B4F671ED2}" type="datetimeFigureOut">
               <a:rPr lang="ko-KR" altLang="en-US" smtClean="0"/>
-              <a:t>2017-07-20</a:t>
+              <a:t>2017-07-24</a:t>
             </a:fld>
             <a:endParaRPr lang="ko-KR" altLang="en-US"/>
           </a:p>
@@ -2801,7 +2801,7 @@
           <a:p>
             <a:fld id="{4A61891F-26D4-4EED-9BA8-111B4F671ED2}" type="datetimeFigureOut">
               <a:rPr lang="ko-KR" altLang="en-US" smtClean="0"/>
-              <a:t>2017-07-20</a:t>
+              <a:t>2017-07-24</a:t>
             </a:fld>
             <a:endParaRPr lang="ko-KR" altLang="en-US"/>
           </a:p>
@@ -2971,7 +2971,7 @@
           <a:p>
             <a:fld id="{4A61891F-26D4-4EED-9BA8-111B4F671ED2}" type="datetimeFigureOut">
               <a:rPr lang="ko-KR" altLang="en-US" smtClean="0"/>
-              <a:t>2017-07-20</a:t>
+              <a:t>2017-07-24</a:t>
             </a:fld>
             <a:endParaRPr lang="ko-KR" altLang="en-US"/>
           </a:p>
@@ -3155,7 +3155,7 @@
           <a:p>
             <a:fld id="{4A61891F-26D4-4EED-9BA8-111B4F671ED2}" type="datetimeFigureOut">
               <a:rPr lang="ko-KR" altLang="en-US" smtClean="0"/>
-              <a:t>2017-07-20</a:t>
+              <a:t>2017-07-24</a:t>
             </a:fld>
             <a:endParaRPr lang="ko-KR" altLang="en-US"/>
           </a:p>
@@ -3325,7 +3325,7 @@
           <a:p>
             <a:fld id="{4A61891F-26D4-4EED-9BA8-111B4F671ED2}" type="datetimeFigureOut">
               <a:rPr lang="ko-KR" altLang="en-US" smtClean="0"/>
-              <a:t>2017-07-20</a:t>
+              <a:t>2017-07-24</a:t>
             </a:fld>
             <a:endParaRPr lang="ko-KR" altLang="en-US"/>
           </a:p>
@@ -3573,7 +3573,7 @@
           <a:p>
             <a:fld id="{4A61891F-26D4-4EED-9BA8-111B4F671ED2}" type="datetimeFigureOut">
               <a:rPr lang="ko-KR" altLang="en-US" smtClean="0"/>
-              <a:t>2017-07-20</a:t>
+              <a:t>2017-07-24</a:t>
             </a:fld>
             <a:endParaRPr lang="ko-KR" altLang="en-US"/>
           </a:p>
@@ -3810,7 +3810,7 @@
           <a:p>
             <a:fld id="{4A61891F-26D4-4EED-9BA8-111B4F671ED2}" type="datetimeFigureOut">
               <a:rPr lang="ko-KR" altLang="en-US" smtClean="0"/>
-              <a:t>2017-07-20</a:t>
+              <a:t>2017-07-24</a:t>
             </a:fld>
             <a:endParaRPr lang="ko-KR" altLang="en-US"/>
           </a:p>
@@ -4183,7 +4183,7 @@
           <a:p>
             <a:fld id="{4A61891F-26D4-4EED-9BA8-111B4F671ED2}" type="datetimeFigureOut">
               <a:rPr lang="ko-KR" altLang="en-US" smtClean="0"/>
-              <a:t>2017-07-20</a:t>
+              <a:t>2017-07-24</a:t>
             </a:fld>
             <a:endParaRPr lang="ko-KR" altLang="en-US"/>
           </a:p>
@@ -4301,7 +4301,7 @@
           <a:p>
             <a:fld id="{4A61891F-26D4-4EED-9BA8-111B4F671ED2}" type="datetimeFigureOut">
               <a:rPr lang="ko-KR" altLang="en-US" smtClean="0"/>
-              <a:t>2017-07-20</a:t>
+              <a:t>2017-07-24</a:t>
             </a:fld>
             <a:endParaRPr lang="ko-KR" altLang="en-US"/>
           </a:p>
@@ -4396,7 +4396,7 @@
           <a:p>
             <a:fld id="{4A61891F-26D4-4EED-9BA8-111B4F671ED2}" type="datetimeFigureOut">
               <a:rPr lang="ko-KR" altLang="en-US" smtClean="0"/>
-              <a:t>2017-07-20</a:t>
+              <a:t>2017-07-24</a:t>
             </a:fld>
             <a:endParaRPr lang="ko-KR" altLang="en-US"/>
           </a:p>
@@ -4647,7 +4647,7 @@
           <a:p>
             <a:fld id="{4A61891F-26D4-4EED-9BA8-111B4F671ED2}" type="datetimeFigureOut">
               <a:rPr lang="ko-KR" altLang="en-US" smtClean="0"/>
-              <a:t>2017-07-20</a:t>
+              <a:t>2017-07-24</a:t>
             </a:fld>
             <a:endParaRPr lang="ko-KR" altLang="en-US"/>
           </a:p>
@@ -4934,7 +4934,7 @@
           <a:p>
             <a:fld id="{4A61891F-26D4-4EED-9BA8-111B4F671ED2}" type="datetimeFigureOut">
               <a:rPr lang="ko-KR" altLang="en-US" smtClean="0"/>
-              <a:t>2017-07-20</a:t>
+              <a:t>2017-07-24</a:t>
             </a:fld>
             <a:endParaRPr lang="ko-KR" altLang="en-US"/>
           </a:p>
@@ -5147,7 +5147,7 @@
           <a:p>
             <a:fld id="{4A61891F-26D4-4EED-9BA8-111B4F671ED2}" type="datetimeFigureOut">
               <a:rPr lang="ko-KR" altLang="en-US" smtClean="0"/>
-              <a:t>2017-07-20</a:t>
+              <a:t>2017-07-24</a:t>
             </a:fld>
             <a:endParaRPr lang="ko-KR" altLang="en-US"/>
           </a:p>
@@ -6574,7 +6574,19 @@
             </a:r>
             <a:r>
               <a:rPr lang="en-US" altLang="ko-KR" dirty="0" smtClean="0"/>
-              <a:t>: Semantic Segmentation, Image Matting</a:t>
+              <a:t>: </a:t>
+            </a:r>
+            <a:r>
+              <a:rPr lang="en-US" altLang="ko-KR" dirty="0" smtClean="0"/>
+              <a:t>Image</a:t>
+            </a:r>
+            <a:r>
+              <a:rPr lang="en-US" altLang="ko-KR" dirty="0" smtClean="0"/>
+              <a:t> </a:t>
+            </a:r>
+            <a:r>
+              <a:rPr lang="en-US" altLang="ko-KR" dirty="0" smtClean="0"/>
+              <a:t>Segmentation, Image Matting</a:t>
             </a:r>
           </a:p>
           <a:p>
@@ -7194,11 +7206,7 @@
             <a:pPr lvl="1"/>
             <a:r>
               <a:rPr lang="ko-KR" altLang="en-US" dirty="0" smtClean="0"/>
-              <a:t>직접 짤 수 있을 정도의 능력은 내용을 듣고 스스로 </a:t>
-            </a:r>
-            <a:r>
-              <a:rPr lang="ko-KR" altLang="en-US" dirty="0" smtClean="0"/>
-              <a:t>공부하고 </a:t>
+              <a:t>직접 짤 수 있을 정도의 능력은 내용을 듣고 스스로 공부하고 </a:t>
             </a:r>
             <a:r>
               <a:rPr lang="ko-KR" altLang="en-US" dirty="0" err="1" smtClean="0"/>
@@ -7206,11 +7214,7 @@
             </a:r>
             <a:r>
               <a:rPr lang="ko-KR" altLang="en-US" dirty="0" smtClean="0"/>
-              <a:t> </a:t>
-            </a:r>
-            <a:r>
-              <a:rPr lang="ko-KR" altLang="en-US" dirty="0" smtClean="0"/>
-              <a:t>합니다</a:t>
+              <a:t> 합니다</a:t>
             </a:r>
             <a:r>
               <a:rPr lang="en-US" altLang="ko-KR" dirty="0" smtClean="0"/>
@@ -7227,6 +7231,10 @@
             <a:endParaRPr lang="en-US" altLang="ko-KR" dirty="0" smtClean="0"/>
           </a:p>
           <a:p>
+            <a:r>
+              <a:rPr lang="ko-KR" altLang="en-US" dirty="0" smtClean="0"/>
+              <a:t>딱 오늘만을 위한 </a:t>
+            </a:r>
             <a:r>
               <a:rPr lang="en-US" altLang="ko-KR" dirty="0" smtClean="0"/>
               <a:t>Python </a:t>
@@ -7470,8 +7478,12 @@
               <a:buAutoNum type="arabicPeriod"/>
             </a:pPr>
             <a:r>
+              <a:rPr lang="ko-KR" altLang="en-US" dirty="0" err="1" smtClean="0"/>
+              <a:t>퍼셉트론</a:t>
+            </a:r>
+            <a:r>
               <a:rPr lang="ko-KR" altLang="en-US" dirty="0" smtClean="0"/>
-              <a:t>신경망 기초</a:t>
+              <a:t> 및 신경망</a:t>
             </a:r>
             <a:endParaRPr lang="en-US" altLang="ko-KR" dirty="0" smtClean="0"/>
           </a:p>

--- a/ppt/GNU CS 과학캠프.pptx
+++ b/ppt/GNU CS 과학캠프.pptx
@@ -11,7 +11,8 @@
     <p:sldId id="294" r:id="rId5"/>
     <p:sldId id="295" r:id="rId6"/>
     <p:sldId id="293" r:id="rId7"/>
-    <p:sldId id="292" r:id="rId8"/>
+    <p:sldId id="296" r:id="rId8"/>
+    <p:sldId id="292" r:id="rId9"/>
   </p:sldIdLst>
   <p:sldSz cx="12192000" cy="6858000"/>
   <p:notesSz cx="6858000" cy="9144000"/>
@@ -5801,7 +5802,26 @@
             </a:pPr>
             <a:r>
               <a:rPr lang="ko-KR" altLang="en-US" dirty="0" smtClean="0"/>
-              <a:t>캠프의 목적</a:t>
+              <a:t>캠프의 </a:t>
+            </a:r>
+            <a:r>
+              <a:rPr lang="ko-KR" altLang="en-US" dirty="0" smtClean="0"/>
+              <a:t>목적</a:t>
+            </a:r>
+            <a:endParaRPr lang="en-US" altLang="ko-KR" dirty="0" smtClean="0"/>
+          </a:p>
+          <a:p>
+            <a:pPr marL="514350" indent="-514350">
+              <a:buFont typeface="+mj-lt"/>
+              <a:buAutoNum type="arabicPeriod"/>
+            </a:pPr>
+            <a:r>
+              <a:rPr lang="ko-KR" altLang="en-US" dirty="0" smtClean="0"/>
+              <a:t>캠프에 임하면 좋은 자세는</a:t>
+            </a:r>
+            <a:r>
+              <a:rPr lang="en-US" altLang="ko-KR" dirty="0" smtClean="0"/>
+              <a:t>…</a:t>
             </a:r>
             <a:endParaRPr lang="en-US" altLang="ko-KR" dirty="0" smtClean="0"/>
           </a:p>
@@ -6574,36 +6594,34 @@
             </a:r>
             <a:r>
               <a:rPr lang="en-US" altLang="ko-KR" dirty="0" smtClean="0"/>
-              <a:t>: </a:t>
-            </a:r>
+              <a:t>: Image Segmentation, Image Matting</a:t>
+            </a:r>
+          </a:p>
+          <a:p>
+            <a:pPr lvl="1"/>
             <a:r>
               <a:rPr lang="en-US" altLang="ko-KR" dirty="0" smtClean="0"/>
-              <a:t>Image</a:t>
-            </a:r>
-            <a:r>
-              <a:rPr lang="en-US" altLang="ko-KR" dirty="0" smtClean="0"/>
-              <a:t> </a:t>
-            </a:r>
-            <a:r>
-              <a:rPr lang="en-US" altLang="ko-KR" dirty="0" smtClean="0"/>
-              <a:t>Segmentation, Image Matting</a:t>
-            </a:r>
-          </a:p>
-          <a:p>
-            <a:pPr lvl="1"/>
-            <a:endParaRPr lang="en-US" altLang="ko-KR" dirty="0"/>
-          </a:p>
-          <a:p>
-            <a:pPr lvl="1"/>
-            <a:r>
-              <a:rPr lang="en-US" altLang="ko-KR" dirty="0">
+              <a:t>E-mail: </a:t>
+            </a:r>
+            <a:r>
+              <a:rPr lang="en-US" altLang="ko-KR" dirty="0" smtClean="0">
                 <a:hlinkClick r:id="rId2"/>
               </a:rPr>
+              <a:t>across0406@nate.com</a:t>
+            </a:r>
+            <a:endParaRPr lang="en-US" altLang="ko-KR" dirty="0"/>
+          </a:p>
+          <a:p>
+            <a:pPr lvl="1"/>
+            <a:r>
+              <a:rPr lang="en-US" altLang="ko-KR" dirty="0">
+                <a:hlinkClick r:id="rId3"/>
+              </a:rPr>
               <a:t>https://</a:t>
             </a:r>
             <a:r>
               <a:rPr lang="en-US" altLang="ko-KR" dirty="0" smtClean="0">
-                <a:hlinkClick r:id="rId2"/>
+                <a:hlinkClick r:id="rId3"/>
               </a:rPr>
               <a:t>wiki.gnuxer.com/user/across0406</a:t>
             </a:r>
@@ -7356,6 +7374,294 @@
 </file>
 
 <file path=ppt/slides/slide7.xml><?xml version="1.0" encoding="utf-8"?>
+<p:sld xmlns:a="http://schemas.openxmlformats.org/drawingml/2006/main" xmlns:r="http://schemas.openxmlformats.org/officeDocument/2006/relationships" xmlns:p="http://schemas.openxmlformats.org/presentationml/2006/main">
+  <p:cSld>
+    <p:spTree>
+      <p:nvGrpSpPr>
+        <p:cNvPr id="1" name=""/>
+        <p:cNvGrpSpPr/>
+        <p:nvPr/>
+      </p:nvGrpSpPr>
+      <p:grpSpPr>
+        <a:xfrm>
+          <a:off x="0" y="0"/>
+          <a:ext cx="0" cy="0"/>
+          <a:chOff x="0" y="0"/>
+          <a:chExt cx="0" cy="0"/>
+        </a:xfrm>
+      </p:grpSpPr>
+      <p:sp>
+        <p:nvSpPr>
+          <p:cNvPr id="2" name="제목 1"/>
+          <p:cNvSpPr>
+            <a:spLocks noGrp="1"/>
+          </p:cNvSpPr>
+          <p:nvPr>
+            <p:ph type="title"/>
+          </p:nvPr>
+        </p:nvSpPr>
+        <p:spPr/>
+        <p:txBody>
+          <a:bodyPr/>
+          <a:lstStyle/>
+          <a:p>
+            <a:r>
+              <a:rPr lang="ko-KR" altLang="en-US" dirty="0"/>
+              <a:t>캠프에 임하면 좋은 자세는</a:t>
+            </a:r>
+            <a:r>
+              <a:rPr lang="en-US" altLang="ko-KR" dirty="0"/>
+              <a:t>…</a:t>
+            </a:r>
+          </a:p>
+        </p:txBody>
+      </p:sp>
+      <p:sp>
+        <p:nvSpPr>
+          <p:cNvPr id="3" name="내용 개체 틀 3"/>
+          <p:cNvSpPr>
+            <a:spLocks noGrp="1"/>
+          </p:cNvSpPr>
+          <p:nvPr>
+            <p:ph idx="1"/>
+          </p:nvPr>
+        </p:nvSpPr>
+        <p:spPr>
+          <a:xfrm>
+            <a:off x="913794" y="1825625"/>
+            <a:ext cx="10353761" cy="4501034"/>
+          </a:xfrm>
+        </p:spPr>
+        <p:txBody>
+          <a:bodyPr>
+            <a:normAutofit fontScale="92500" lnSpcReduction="20000"/>
+          </a:bodyPr>
+          <a:lstStyle/>
+          <a:p>
+            <a:r>
+              <a:rPr lang="ko-KR" altLang="en-US" dirty="0" err="1" smtClean="0"/>
+              <a:t>백문이불여일견</a:t>
+            </a:r>
+            <a:r>
+              <a:rPr lang="en-US" altLang="ko-KR" dirty="0" smtClean="0"/>
+              <a:t>, </a:t>
+            </a:r>
+            <a:r>
+              <a:rPr lang="ko-KR" altLang="en-US" dirty="0" err="1" smtClean="0"/>
+              <a:t>백문견불여일타</a:t>
+            </a:r>
+            <a:r>
+              <a:rPr lang="en-US" altLang="ko-KR" dirty="0" smtClean="0"/>
+              <a:t>!</a:t>
+            </a:r>
+          </a:p>
+          <a:p>
+            <a:pPr lvl="1"/>
+            <a:r>
+              <a:rPr lang="ko-KR" altLang="en-US" dirty="0" err="1" smtClean="0"/>
+              <a:t>듣는거</a:t>
+            </a:r>
+            <a:r>
+              <a:rPr lang="ko-KR" altLang="en-US" dirty="0" smtClean="0"/>
+              <a:t> 보다 </a:t>
+            </a:r>
+            <a:r>
+              <a:rPr lang="ko-KR" altLang="en-US" dirty="0" err="1" smtClean="0"/>
+              <a:t>보는게</a:t>
+            </a:r>
+            <a:r>
+              <a:rPr lang="ko-KR" altLang="en-US" dirty="0" smtClean="0"/>
+              <a:t> 낫고</a:t>
+            </a:r>
+            <a:r>
+              <a:rPr lang="en-US" altLang="ko-KR" dirty="0" smtClean="0"/>
+              <a:t>, </a:t>
+            </a:r>
+            <a:r>
+              <a:rPr lang="ko-KR" altLang="en-US" dirty="0" smtClean="0"/>
+              <a:t>보는 것보다도 직접 </a:t>
+            </a:r>
+            <a:r>
+              <a:rPr lang="ko-KR" altLang="en-US" dirty="0" err="1" smtClean="0"/>
+              <a:t>쳐보는게</a:t>
+            </a:r>
+            <a:r>
+              <a:rPr lang="ko-KR" altLang="en-US" dirty="0" smtClean="0"/>
+              <a:t> 가장 좋습니다</a:t>
+            </a:r>
+            <a:r>
+              <a:rPr lang="en-US" altLang="ko-KR" dirty="0" smtClean="0"/>
+              <a:t>.</a:t>
+            </a:r>
+          </a:p>
+          <a:p>
+            <a:pPr lvl="1"/>
+            <a:r>
+              <a:rPr lang="ko-KR" altLang="en-US" dirty="0" smtClean="0"/>
+              <a:t>캠프의 자료는 이미 올려놨지만 최대한 직접 쳐보세요</a:t>
+            </a:r>
+            <a:r>
+              <a:rPr lang="en-US" altLang="ko-KR" dirty="0" smtClean="0"/>
+              <a:t>.</a:t>
+            </a:r>
+          </a:p>
+          <a:p>
+            <a:pPr lvl="1"/>
+            <a:endParaRPr lang="en-US" altLang="ko-KR" dirty="0"/>
+          </a:p>
+          <a:p>
+            <a:r>
+              <a:rPr lang="ko-KR" altLang="en-US" dirty="0" smtClean="0"/>
+              <a:t>캠프에서 본인이 진행한 자료를 남기겠다는 목표를 가질 것</a:t>
+            </a:r>
+            <a:r>
+              <a:rPr lang="en-US" altLang="ko-KR" dirty="0" smtClean="0"/>
+              <a:t>!</a:t>
+            </a:r>
+          </a:p>
+          <a:p>
+            <a:pPr lvl="1"/>
+            <a:r>
+              <a:rPr lang="ko-KR" altLang="en-US" dirty="0" smtClean="0"/>
+              <a:t>실제로 중고등학생 및 대학생들이 원하는 모델을 만들어 적용해보고 있습니다</a:t>
+            </a:r>
+            <a:r>
+              <a:rPr lang="en-US" altLang="ko-KR" dirty="0" smtClean="0"/>
+              <a:t>.</a:t>
+            </a:r>
+          </a:p>
+          <a:p>
+            <a:pPr lvl="1"/>
+            <a:r>
+              <a:rPr lang="en-US" altLang="ko-KR" dirty="0" smtClean="0"/>
+              <a:t>(</a:t>
+            </a:r>
+            <a:r>
+              <a:rPr lang="ko-KR" altLang="en-US" dirty="0" err="1" smtClean="0"/>
+              <a:t>딥러닝</a:t>
+            </a:r>
+            <a:r>
+              <a:rPr lang="ko-KR" altLang="en-US" dirty="0" smtClean="0"/>
+              <a:t> 분야는 대학원 이상의 분야이지만 최근 </a:t>
+            </a:r>
+            <a:r>
+              <a:rPr lang="ko-KR" altLang="en-US" dirty="0" smtClean="0"/>
+              <a:t>일반인들도 접근하기 쉬워진 것이 한 몫</a:t>
+            </a:r>
+            <a:r>
+              <a:rPr lang="en-US" altLang="ko-KR" dirty="0" smtClean="0"/>
+              <a:t>)</a:t>
+            </a:r>
+            <a:endParaRPr lang="en-US" altLang="ko-KR" dirty="0"/>
+          </a:p>
+          <a:p>
+            <a:endParaRPr lang="en-US" altLang="ko-KR" dirty="0" smtClean="0"/>
+          </a:p>
+          <a:p>
+            <a:r>
+              <a:rPr lang="ko-KR" altLang="en-US" dirty="0" smtClean="0"/>
+              <a:t>질문사항이 있을 때는 언제든지 질문하세요</a:t>
+            </a:r>
+            <a:r>
+              <a:rPr lang="en-US" altLang="ko-KR" dirty="0" smtClean="0"/>
+              <a:t>.</a:t>
+            </a:r>
+          </a:p>
+          <a:p>
+            <a:pPr lvl="1"/>
+            <a:r>
+              <a:rPr lang="ko-KR" altLang="en-US" dirty="0" smtClean="0"/>
+              <a:t>진도 방해라든가 </a:t>
+            </a:r>
+            <a:r>
+              <a:rPr lang="ko-KR" altLang="en-US" dirty="0" err="1" smtClean="0"/>
+              <a:t>이런거</a:t>
+            </a:r>
+            <a:r>
+              <a:rPr lang="ko-KR" altLang="en-US" dirty="0" smtClean="0"/>
+              <a:t> </a:t>
+            </a:r>
+            <a:r>
+              <a:rPr lang="ko-KR" altLang="en-US" dirty="0" err="1" smtClean="0"/>
+              <a:t>신경쓰지</a:t>
+            </a:r>
+            <a:r>
+              <a:rPr lang="ko-KR" altLang="en-US" dirty="0" smtClean="0"/>
+              <a:t> 마세요</a:t>
+            </a:r>
+            <a:r>
+              <a:rPr lang="en-US" altLang="ko-KR" dirty="0" smtClean="0"/>
+              <a:t>.</a:t>
+            </a:r>
+            <a:endParaRPr lang="en-US" altLang="ko-KR" dirty="0"/>
+          </a:p>
+          <a:p>
+            <a:pPr lvl="1"/>
+            <a:r>
+              <a:rPr lang="ko-KR" altLang="en-US" dirty="0" smtClean="0"/>
+              <a:t>다만 언어 문법에 대해서 이해가 되지 </a:t>
+            </a:r>
+            <a:r>
+              <a:rPr lang="ko-KR" altLang="en-US" dirty="0" err="1" smtClean="0"/>
+              <a:t>않는건</a:t>
+            </a:r>
+            <a:r>
+              <a:rPr lang="ko-KR" altLang="en-US" dirty="0" smtClean="0"/>
+              <a:t> 어쩔 수가 없습니다</a:t>
+            </a:r>
+            <a:r>
+              <a:rPr lang="en-US" altLang="ko-KR" dirty="0" smtClean="0"/>
+              <a:t>.</a:t>
+            </a:r>
+          </a:p>
+          <a:p>
+            <a:pPr lvl="1"/>
+            <a:r>
+              <a:rPr lang="en-US" altLang="ko-KR" dirty="0" err="1" smtClean="0"/>
+              <a:t>E.g</a:t>
+            </a:r>
+            <a:r>
+              <a:rPr lang="en-US" altLang="ko-KR" dirty="0" smtClean="0"/>
+              <a:t>) </a:t>
+            </a:r>
+            <a:r>
+              <a:rPr lang="ko-KR" altLang="en-US" dirty="0"/>
+              <a:t>아</a:t>
+            </a:r>
+            <a:r>
+              <a:rPr lang="ko-KR" altLang="en-US" dirty="0" smtClean="0"/>
+              <a:t>기가 엄마</a:t>
+            </a:r>
+            <a:r>
+              <a:rPr lang="en-US" altLang="ko-KR" dirty="0" smtClean="0"/>
+              <a:t>, </a:t>
+            </a:r>
+            <a:r>
+              <a:rPr lang="ko-KR" altLang="en-US" dirty="0" smtClean="0"/>
+              <a:t>아빠라는 단어를 이해하고 부르진 않죠</a:t>
+            </a:r>
+            <a:r>
+              <a:rPr lang="en-US" altLang="ko-KR" dirty="0" smtClean="0"/>
+              <a:t>…^^</a:t>
+            </a:r>
+            <a:endParaRPr lang="en-US" altLang="ko-KR" dirty="0" smtClean="0"/>
+          </a:p>
+        </p:txBody>
+      </p:sp>
+    </p:spTree>
+    <p:extLst>
+      <p:ext uri="{BB962C8B-B14F-4D97-AF65-F5344CB8AC3E}">
+        <p14:creationId xmlns:p14="http://schemas.microsoft.com/office/powerpoint/2010/main" val="2894110959"/>
+      </p:ext>
+    </p:extLst>
+  </p:cSld>
+  <p:clrMapOvr>
+    <a:masterClrMapping/>
+  </p:clrMapOvr>
+</p:sld>
+</file>
+
+<file path=ppt/slides/slide8.xml><?xml version="1.0" encoding="utf-8"?>
 <p:sld xmlns:a="http://schemas.openxmlformats.org/drawingml/2006/main" xmlns:r="http://schemas.openxmlformats.org/officeDocument/2006/relationships" xmlns:p="http://schemas.openxmlformats.org/presentationml/2006/main">
   <p:cSld>
     <p:spTree>

--- a/ppt/GNU CS 과학캠프.pptx
+++ b/ppt/GNU CS 과학캠프.pptx
@@ -7,12 +7,9 @@
   <p:sldIdLst>
     <p:sldId id="256" r:id="rId2"/>
     <p:sldId id="257" r:id="rId3"/>
-    <p:sldId id="258" r:id="rId4"/>
-    <p:sldId id="294" r:id="rId5"/>
-    <p:sldId id="295" r:id="rId6"/>
-    <p:sldId id="293" r:id="rId7"/>
-    <p:sldId id="296" r:id="rId8"/>
-    <p:sldId id="292" r:id="rId9"/>
+    <p:sldId id="293" r:id="rId4"/>
+    <p:sldId id="296" r:id="rId5"/>
+    <p:sldId id="292" r:id="rId6"/>
   </p:sldIdLst>
   <p:sldSz cx="12192000" cy="6858000"/>
   <p:notesSz cx="6858000" cy="9144000"/>
@@ -252,7 +249,7 @@
           <a:p>
             <a:fld id="{4A61891F-26D4-4EED-9BA8-111B4F671ED2}" type="datetimeFigureOut">
               <a:rPr lang="ko-KR" altLang="en-US" smtClean="0"/>
-              <a:t>2017-07-24</a:t>
+              <a:t>2017-07-25</a:t>
             </a:fld>
             <a:endParaRPr lang="ko-KR" altLang="en-US"/>
           </a:p>
@@ -539,7 +536,7 @@
           <a:p>
             <a:fld id="{4A61891F-26D4-4EED-9BA8-111B4F671ED2}" type="datetimeFigureOut">
               <a:rPr lang="ko-KR" altLang="en-US" smtClean="0"/>
-              <a:t>2017-07-24</a:t>
+              <a:t>2017-07-25</a:t>
             </a:fld>
             <a:endParaRPr lang="ko-KR" altLang="en-US"/>
           </a:p>
@@ -731,7 +728,7 @@
           <a:p>
             <a:fld id="{4A61891F-26D4-4EED-9BA8-111B4F671ED2}" type="datetimeFigureOut">
               <a:rPr lang="ko-KR" altLang="en-US" smtClean="0"/>
-              <a:t>2017-07-24</a:t>
+              <a:t>2017-07-25</a:t>
             </a:fld>
             <a:endParaRPr lang="ko-KR" altLang="en-US"/>
           </a:p>
@@ -992,7 +989,7 @@
           <a:p>
             <a:fld id="{4A61891F-26D4-4EED-9BA8-111B4F671ED2}" type="datetimeFigureOut">
               <a:rPr lang="ko-KR" altLang="en-US" smtClean="0"/>
-              <a:t>2017-07-24</a:t>
+              <a:t>2017-07-25</a:t>
             </a:fld>
             <a:endParaRPr lang="ko-KR" altLang="en-US"/>
           </a:p>
@@ -1416,7 +1413,7 @@
           <a:p>
             <a:fld id="{4A61891F-26D4-4EED-9BA8-111B4F671ED2}" type="datetimeFigureOut">
               <a:rPr lang="ko-KR" altLang="en-US" smtClean="0"/>
-              <a:t>2017-07-24</a:t>
+              <a:t>2017-07-25</a:t>
             </a:fld>
             <a:endParaRPr lang="ko-KR" altLang="en-US"/>
           </a:p>
@@ -1962,7 +1959,7 @@
           <a:p>
             <a:fld id="{4A61891F-26D4-4EED-9BA8-111B4F671ED2}" type="datetimeFigureOut">
               <a:rPr lang="ko-KR" altLang="en-US" smtClean="0"/>
-              <a:t>2017-07-24</a:t>
+              <a:t>2017-07-25</a:t>
             </a:fld>
             <a:endParaRPr lang="ko-KR" altLang="en-US"/>
           </a:p>
@@ -2802,7 +2799,7 @@
           <a:p>
             <a:fld id="{4A61891F-26D4-4EED-9BA8-111B4F671ED2}" type="datetimeFigureOut">
               <a:rPr lang="ko-KR" altLang="en-US" smtClean="0"/>
-              <a:t>2017-07-24</a:t>
+              <a:t>2017-07-25</a:t>
             </a:fld>
             <a:endParaRPr lang="ko-KR" altLang="en-US"/>
           </a:p>
@@ -2972,7 +2969,7 @@
           <a:p>
             <a:fld id="{4A61891F-26D4-4EED-9BA8-111B4F671ED2}" type="datetimeFigureOut">
               <a:rPr lang="ko-KR" altLang="en-US" smtClean="0"/>
-              <a:t>2017-07-24</a:t>
+              <a:t>2017-07-25</a:t>
             </a:fld>
             <a:endParaRPr lang="ko-KR" altLang="en-US"/>
           </a:p>
@@ -3156,7 +3153,7 @@
           <a:p>
             <a:fld id="{4A61891F-26D4-4EED-9BA8-111B4F671ED2}" type="datetimeFigureOut">
               <a:rPr lang="ko-KR" altLang="en-US" smtClean="0"/>
-              <a:t>2017-07-24</a:t>
+              <a:t>2017-07-25</a:t>
             </a:fld>
             <a:endParaRPr lang="ko-KR" altLang="en-US"/>
           </a:p>
@@ -3326,7 +3323,7 @@
           <a:p>
             <a:fld id="{4A61891F-26D4-4EED-9BA8-111B4F671ED2}" type="datetimeFigureOut">
               <a:rPr lang="ko-KR" altLang="en-US" smtClean="0"/>
-              <a:t>2017-07-24</a:t>
+              <a:t>2017-07-25</a:t>
             </a:fld>
             <a:endParaRPr lang="ko-KR" altLang="en-US"/>
           </a:p>
@@ -3574,7 +3571,7 @@
           <a:p>
             <a:fld id="{4A61891F-26D4-4EED-9BA8-111B4F671ED2}" type="datetimeFigureOut">
               <a:rPr lang="ko-KR" altLang="en-US" smtClean="0"/>
-              <a:t>2017-07-24</a:t>
+              <a:t>2017-07-25</a:t>
             </a:fld>
             <a:endParaRPr lang="ko-KR" altLang="en-US"/>
           </a:p>
@@ -3811,7 +3808,7 @@
           <a:p>
             <a:fld id="{4A61891F-26D4-4EED-9BA8-111B4F671ED2}" type="datetimeFigureOut">
               <a:rPr lang="ko-KR" altLang="en-US" smtClean="0"/>
-              <a:t>2017-07-24</a:t>
+              <a:t>2017-07-25</a:t>
             </a:fld>
             <a:endParaRPr lang="ko-KR" altLang="en-US"/>
           </a:p>
@@ -4184,7 +4181,7 @@
           <a:p>
             <a:fld id="{4A61891F-26D4-4EED-9BA8-111B4F671ED2}" type="datetimeFigureOut">
               <a:rPr lang="ko-KR" altLang="en-US" smtClean="0"/>
-              <a:t>2017-07-24</a:t>
+              <a:t>2017-07-25</a:t>
             </a:fld>
             <a:endParaRPr lang="ko-KR" altLang="en-US"/>
           </a:p>
@@ -4302,7 +4299,7 @@
           <a:p>
             <a:fld id="{4A61891F-26D4-4EED-9BA8-111B4F671ED2}" type="datetimeFigureOut">
               <a:rPr lang="ko-KR" altLang="en-US" smtClean="0"/>
-              <a:t>2017-07-24</a:t>
+              <a:t>2017-07-25</a:t>
             </a:fld>
             <a:endParaRPr lang="ko-KR" altLang="en-US"/>
           </a:p>
@@ -4397,7 +4394,7 @@
           <a:p>
             <a:fld id="{4A61891F-26D4-4EED-9BA8-111B4F671ED2}" type="datetimeFigureOut">
               <a:rPr lang="ko-KR" altLang="en-US" smtClean="0"/>
-              <a:t>2017-07-24</a:t>
+              <a:t>2017-07-25</a:t>
             </a:fld>
             <a:endParaRPr lang="ko-KR" altLang="en-US"/>
           </a:p>
@@ -4648,7 +4645,7 @@
           <a:p>
             <a:fld id="{4A61891F-26D4-4EED-9BA8-111B4F671ED2}" type="datetimeFigureOut">
               <a:rPr lang="ko-KR" altLang="en-US" smtClean="0"/>
-              <a:t>2017-07-24</a:t>
+              <a:t>2017-07-25</a:t>
             </a:fld>
             <a:endParaRPr lang="ko-KR" altLang="en-US"/>
           </a:p>
@@ -4935,7 +4932,7 @@
           <a:p>
             <a:fld id="{4A61891F-26D4-4EED-9BA8-111B4F671ED2}" type="datetimeFigureOut">
               <a:rPr lang="ko-KR" altLang="en-US" smtClean="0"/>
-              <a:t>2017-07-24</a:t>
+              <a:t>2017-07-25</a:t>
             </a:fld>
             <a:endParaRPr lang="ko-KR" altLang="en-US"/>
           </a:p>
@@ -5148,7 +5145,7 @@
           <a:p>
             <a:fld id="{4A61891F-26D4-4EED-9BA8-111B4F671ED2}" type="datetimeFigureOut">
               <a:rPr lang="ko-KR" altLang="en-US" smtClean="0"/>
-              <a:t>2017-07-24</a:t>
+              <a:t>2017-07-25</a:t>
             </a:fld>
             <a:endParaRPr lang="ko-KR" altLang="en-US"/>
           </a:p>
@@ -5802,11 +5799,7 @@
             </a:pPr>
             <a:r>
               <a:rPr lang="ko-KR" altLang="en-US" dirty="0" smtClean="0"/>
-              <a:t>캠프의 </a:t>
-            </a:r>
-            <a:r>
-              <a:rPr lang="ko-KR" altLang="en-US" dirty="0" smtClean="0"/>
-              <a:t>목적</a:t>
+              <a:t>캠프의 목적</a:t>
             </a:r>
             <a:endParaRPr lang="en-US" altLang="ko-KR" dirty="0" smtClean="0"/>
           </a:p>
@@ -5823,7 +5816,6 @@
               <a:rPr lang="en-US" altLang="ko-KR" dirty="0" smtClean="0"/>
               <a:t>…</a:t>
             </a:r>
-            <a:endParaRPr lang="en-US" altLang="ko-KR" dirty="0" smtClean="0"/>
           </a:p>
           <a:p>
             <a:pPr marL="514350" indent="-514350">
@@ -5903,44 +5895,15 @@
           <a:p>
             <a:r>
               <a:rPr lang="ko-KR" altLang="en-US" dirty="0" smtClean="0"/>
-              <a:t>진행자 소개</a:t>
+              <a:t>캠프의 목적</a:t>
             </a:r>
             <a:endParaRPr lang="ko-KR" altLang="en-US" dirty="0"/>
           </a:p>
         </p:txBody>
       </p:sp>
-      <p:pic>
-        <p:nvPicPr>
-          <p:cNvPr id="3" name="그림 2"/>
-          <p:cNvPicPr>
-            <a:picLocks noChangeAspect="1"/>
-          </p:cNvPicPr>
-          <p:nvPr/>
-        </p:nvPicPr>
-        <p:blipFill rotWithShape="1">
-          <a:blip r:embed="rId2">
-            <a:extLst>
-              <a:ext uri="{28A0092B-C50C-407E-A947-70E740481C1C}">
-                <a14:useLocalDpi xmlns:a14="http://schemas.microsoft.com/office/drawing/2010/main" val="0"/>
-              </a:ext>
-            </a:extLst>
-          </a:blip>
-          <a:srcRect b="18633"/>
-          <a:stretch/>
-        </p:blipFill>
-        <p:spPr>
-          <a:xfrm>
-            <a:off x="7996529" y="1825625"/>
-            <a:ext cx="3271027" cy="4501034"/>
-          </a:xfrm>
-          <a:prstGeom prst="rect">
-            <a:avLst/>
-          </a:prstGeom>
-        </p:spPr>
-      </p:pic>
-      <p:sp>
-        <p:nvSpPr>
-          <p:cNvPr id="4" name="내용 개체 틀 3"/>
+      <p:sp>
+        <p:nvSpPr>
+          <p:cNvPr id="3" name="내용 개체 틀 3"/>
           <p:cNvSpPr>
             <a:spLocks noGrp="1"/>
           </p:cNvSpPr>
@@ -5951,53 +5914,49 @@
         <p:spPr>
           <a:xfrm>
             <a:off x="913794" y="1825625"/>
-            <a:ext cx="7082735" cy="4501034"/>
+            <a:ext cx="10353761" cy="4501034"/>
           </a:xfrm>
         </p:spPr>
         <p:txBody>
           <a:bodyPr>
-            <a:normAutofit lnSpcReduction="10000"/>
+            <a:normAutofit/>
           </a:bodyPr>
           <a:lstStyle/>
           <a:p>
-            <a:pPr marL="0" indent="0" algn="ctr">
-              <a:buNone/>
-            </a:pPr>
-            <a:r>
-              <a:rPr lang="ko-KR" altLang="en-US" sz="2400" dirty="0" smtClean="0"/>
-              <a:t>서영건 교수님</a:t>
-            </a:r>
-            <a:endParaRPr lang="en-US" altLang="ko-KR" sz="2400" dirty="0" smtClean="0"/>
+            <a:r>
+              <a:rPr lang="ko-KR" altLang="en-US" dirty="0" err="1" smtClean="0"/>
+              <a:t>딥러닝</a:t>
+            </a:r>
+            <a:r>
+              <a:rPr lang="ko-KR" altLang="en-US" dirty="0" smtClean="0"/>
+              <a:t> 구조가 기본적으로 어떻게 생겼나</a:t>
+            </a:r>
+            <a:r>
+              <a:rPr lang="en-US" altLang="ko-KR" dirty="0" smtClean="0"/>
+              <a:t>?</a:t>
+            </a:r>
           </a:p>
           <a:p>
             <a:pPr lvl="1"/>
             <a:r>
               <a:rPr lang="ko-KR" altLang="en-US" dirty="0" smtClean="0"/>
-              <a:t>경상대학교 전산과 학사</a:t>
-            </a:r>
-            <a:endParaRPr lang="en-US" altLang="ko-KR" dirty="0" smtClean="0"/>
-          </a:p>
-          <a:p>
-            <a:pPr lvl="1"/>
+              <a:t>직접 짤 수 있을 정도의 능력은 내용을 듣고 스스로 공부하고 </a:t>
+            </a:r>
+            <a:r>
+              <a:rPr lang="ko-KR" altLang="en-US" dirty="0" err="1" smtClean="0"/>
+              <a:t>코딩해봐야</a:t>
+            </a:r>
             <a:r>
               <a:rPr lang="ko-KR" altLang="en-US" dirty="0" smtClean="0"/>
-              <a:t>숭실대학교 전산과 석사</a:t>
-            </a:r>
-            <a:endParaRPr lang="en-US" altLang="ko-KR" dirty="0" smtClean="0"/>
-          </a:p>
-          <a:p>
-            <a:pPr lvl="1"/>
+              <a:t> 합니다</a:t>
+            </a:r>
+            <a:r>
+              <a:rPr lang="en-US" altLang="ko-KR" dirty="0" smtClean="0"/>
+              <a:t>.</a:t>
+            </a:r>
             <a:r>
               <a:rPr lang="ko-KR" altLang="en-US" dirty="0" smtClean="0"/>
-              <a:t>숭실대학교 전산과 박사</a:t>
-            </a:r>
-            <a:endParaRPr lang="en-US" altLang="ko-KR" dirty="0" smtClean="0"/>
-          </a:p>
-          <a:p>
-            <a:pPr lvl="1"/>
-            <a:r>
-              <a:rPr lang="ko-KR" altLang="en-US" dirty="0" smtClean="0"/>
-              <a:t>경상대학교 컴퓨터과학과 교수</a:t>
+              <a:t> </a:t>
             </a:r>
             <a:endParaRPr lang="en-US" altLang="ko-KR" dirty="0" smtClean="0"/>
           </a:p>
@@ -6006,403 +5965,121 @@
             <a:endParaRPr lang="en-US" altLang="ko-KR" dirty="0" smtClean="0"/>
           </a:p>
           <a:p>
-            <a:pPr lvl="1"/>
             <a:r>
               <a:rPr lang="ko-KR" altLang="en-US" dirty="0" smtClean="0"/>
-              <a:t>연구실</a:t>
+              <a:t>딱 오늘만을 위한 </a:t>
             </a:r>
             <a:r>
               <a:rPr lang="en-US" altLang="ko-KR" dirty="0" smtClean="0"/>
-              <a:t>: </a:t>
+              <a:t>Python </a:t>
             </a:r>
             <a:r>
               <a:rPr lang="ko-KR" altLang="en-US" dirty="0" smtClean="0"/>
-              <a:t>알고리즘 연구실</a:t>
-            </a:r>
+              <a:t>프로그래밍 언어의 </a:t>
+            </a:r>
+            <a:r>
+              <a:rPr lang="en-US" altLang="ko-KR" dirty="0" smtClean="0"/>
+              <a:t>‘</a:t>
+            </a:r>
+            <a:r>
+              <a:rPr lang="ko-KR" altLang="en-US" dirty="0" smtClean="0"/>
+              <a:t>최소한의</a:t>
+            </a:r>
+            <a:r>
+              <a:rPr lang="en-US" altLang="ko-KR" dirty="0" smtClean="0"/>
+              <a:t>’</a:t>
+            </a:r>
+            <a:r>
+              <a:rPr lang="ko-KR" altLang="en-US" dirty="0" smtClean="0"/>
+              <a:t> 문법</a:t>
+            </a:r>
+            <a:endParaRPr lang="en-US" altLang="ko-KR" dirty="0" smtClean="0"/>
+          </a:p>
+          <a:p>
+            <a:pPr marL="457200" lvl="1" indent="0">
+              <a:buNone/>
+            </a:pPr>
             <a:r>
               <a:rPr lang="en-US" altLang="ko-KR" dirty="0" smtClean="0"/>
               <a:t>(</a:t>
             </a:r>
             <a:r>
               <a:rPr lang="ko-KR" altLang="en-US" dirty="0" smtClean="0"/>
-              <a:t>경상대학교 </a:t>
+              <a:t>오늘 </a:t>
             </a:r>
             <a:r>
               <a:rPr lang="en-US" altLang="ko-KR" dirty="0" smtClean="0"/>
-              <a:t>30</a:t>
+              <a:t>Python </a:t>
             </a:r>
             <a:r>
               <a:rPr lang="ko-KR" altLang="en-US" dirty="0" smtClean="0"/>
-              <a:t>동 </a:t>
+              <a:t>배운다고 프로그래밍 할 수 있을 정도가 되진 </a:t>
+            </a:r>
+            <a:r>
+              <a:rPr lang="ko-KR" altLang="en-US" dirty="0" err="1" smtClean="0"/>
+              <a:t>않을겁니다</a:t>
             </a:r>
             <a:r>
               <a:rPr lang="en-US" altLang="ko-KR" dirty="0" smtClean="0"/>
-              <a:t>416</a:t>
-            </a:r>
-            <a:r>
-              <a:rPr lang="ko-KR" altLang="en-US" dirty="0" smtClean="0"/>
-              <a:t>호</a:t>
-            </a:r>
-            <a:r>
-              <a:rPr lang="en-US" altLang="ko-KR" dirty="0" smtClean="0"/>
-              <a:t>, 417</a:t>
-            </a:r>
-            <a:r>
-              <a:rPr lang="ko-KR" altLang="en-US" dirty="0" smtClean="0"/>
-              <a:t>호</a:t>
-            </a:r>
-            <a:r>
-              <a:rPr lang="en-US" altLang="ko-KR" dirty="0" smtClean="0"/>
-              <a:t>)</a:t>
-            </a:r>
-          </a:p>
-          <a:p>
-            <a:pPr lvl="1"/>
-            <a:r>
-              <a:rPr lang="ko-KR" altLang="en-US" dirty="0" smtClean="0"/>
-              <a:t>연구분야</a:t>
-            </a:r>
-            <a:endParaRPr lang="en-US" altLang="ko-KR" dirty="0"/>
-          </a:p>
-          <a:p>
-            <a:pPr lvl="2"/>
-            <a:r>
-              <a:rPr lang="en-US" altLang="ko-KR" dirty="0" smtClean="0"/>
-              <a:t>Computer Network</a:t>
-            </a:r>
-          </a:p>
-          <a:p>
-            <a:pPr lvl="2"/>
-            <a:r>
-              <a:rPr lang="en-US" altLang="ko-KR" dirty="0" smtClean="0"/>
-              <a:t>Multimedia</a:t>
-            </a:r>
-          </a:p>
-          <a:p>
-            <a:pPr lvl="2"/>
-            <a:r>
-              <a:rPr lang="en-US" altLang="ko-KR" dirty="0" smtClean="0"/>
-              <a:t>Image Processing</a:t>
-            </a:r>
-          </a:p>
-          <a:p>
-            <a:pPr lvl="2"/>
-            <a:r>
-              <a:rPr lang="en-US" altLang="ko-KR" dirty="0" smtClean="0"/>
-              <a:t>Medical Image</a:t>
-            </a:r>
-          </a:p>
-        </p:txBody>
-      </p:sp>
-      <p:sp>
-        <p:nvSpPr>
-          <p:cNvPr id="6" name="내용 개체 틀 3"/>
-          <p:cNvSpPr txBox="1">
-            <a:spLocks/>
-          </p:cNvSpPr>
-          <p:nvPr/>
-        </p:nvSpPr>
-        <p:spPr>
-          <a:xfrm>
-            <a:off x="3249221" y="1825625"/>
-            <a:ext cx="7082735" cy="4501034"/>
-          </a:xfrm>
-          <a:prstGeom prst="rect">
-            <a:avLst/>
-          </a:prstGeom>
-        </p:spPr>
-        <p:txBody>
-          <a:bodyPr vert="horz" lIns="91440" tIns="45720" rIns="91440" bIns="45720" rtlCol="0">
-            <a:normAutofit/>
-          </a:bodyPr>
-          <a:lstStyle>
-            <a:lvl1pPr marL="228600" indent="-228600" algn="l" defTabSz="914400" rtl="0" eaLnBrk="1" latinLnBrk="1" hangingPunct="1">
-              <a:lnSpc>
-                <a:spcPct val="120000"/>
-              </a:lnSpc>
-              <a:spcBef>
-                <a:spcPts val="1000"/>
-              </a:spcBef>
-              <a:buFont typeface="Arial" panose="020B0604020202020204" pitchFamily="34" charset="0"/>
-              <a:buChar char="•"/>
-              <a:defRPr sz="2000" kern="1200">
-                <a:solidFill>
-                  <a:schemeClr val="tx1"/>
-                </a:solidFill>
-                <a:effectLst>
-                  <a:outerShdw blurRad="50800" dist="38100" dir="2700000" algn="tl" rotWithShape="0">
-                    <a:srgbClr val="000000">
-                      <a:alpha val="48000"/>
-                    </a:srgbClr>
-                  </a:outerShdw>
-                </a:effectLst>
-                <a:latin typeface="+mn-lt"/>
-                <a:ea typeface="+mn-ea"/>
-                <a:cs typeface="+mn-cs"/>
-              </a:defRPr>
-            </a:lvl1pPr>
-            <a:lvl2pPr marL="685800" indent="-228600" algn="l" defTabSz="914400" rtl="0" eaLnBrk="1" latinLnBrk="1" hangingPunct="1">
-              <a:lnSpc>
-                <a:spcPct val="120000"/>
-              </a:lnSpc>
-              <a:spcBef>
-                <a:spcPts val="500"/>
-              </a:spcBef>
-              <a:buFont typeface="Arial" panose="020B0604020202020204" pitchFamily="34" charset="0"/>
-              <a:buChar char="•"/>
-              <a:defRPr sz="1800" kern="1200">
-                <a:solidFill>
-                  <a:schemeClr val="tx1"/>
-                </a:solidFill>
-                <a:effectLst>
-                  <a:outerShdw blurRad="50800" dist="38100" dir="2700000" algn="tl" rotWithShape="0">
-                    <a:srgbClr val="000000">
-                      <a:alpha val="48000"/>
-                    </a:srgbClr>
-                  </a:outerShdw>
-                </a:effectLst>
-                <a:latin typeface="+mn-lt"/>
-                <a:ea typeface="+mn-ea"/>
-                <a:cs typeface="+mn-cs"/>
-              </a:defRPr>
-            </a:lvl2pPr>
-            <a:lvl3pPr marL="1143000" indent="-228600" algn="l" defTabSz="914400" rtl="0" eaLnBrk="1" latinLnBrk="1" hangingPunct="1">
-              <a:lnSpc>
-                <a:spcPct val="120000"/>
-              </a:lnSpc>
-              <a:spcBef>
-                <a:spcPts val="500"/>
-              </a:spcBef>
-              <a:buFont typeface="Arial" panose="020B0604020202020204" pitchFamily="34" charset="0"/>
-              <a:buChar char="•"/>
-              <a:defRPr sz="1600" kern="1200">
-                <a:solidFill>
-                  <a:schemeClr val="tx1"/>
-                </a:solidFill>
-                <a:effectLst>
-                  <a:outerShdw blurRad="50800" dist="38100" dir="2700000" algn="tl" rotWithShape="0">
-                    <a:srgbClr val="000000">
-                      <a:alpha val="48000"/>
-                    </a:srgbClr>
-                  </a:outerShdw>
-                </a:effectLst>
-                <a:latin typeface="+mn-lt"/>
-                <a:ea typeface="+mn-ea"/>
-                <a:cs typeface="+mn-cs"/>
-              </a:defRPr>
-            </a:lvl3pPr>
-            <a:lvl4pPr marL="1600200" indent="-228600" algn="l" defTabSz="914400" rtl="0" eaLnBrk="1" latinLnBrk="1" hangingPunct="1">
-              <a:lnSpc>
-                <a:spcPct val="120000"/>
-              </a:lnSpc>
-              <a:spcBef>
-                <a:spcPts val="500"/>
-              </a:spcBef>
-              <a:buFont typeface="Arial" panose="020B0604020202020204" pitchFamily="34" charset="0"/>
-              <a:buChar char="•"/>
-              <a:defRPr sz="1400" kern="1200">
-                <a:solidFill>
-                  <a:schemeClr val="tx1"/>
-                </a:solidFill>
-                <a:effectLst>
-                  <a:outerShdw blurRad="50800" dist="38100" dir="2700000" algn="tl" rotWithShape="0">
-                    <a:srgbClr val="000000">
-                      <a:alpha val="48000"/>
-                    </a:srgbClr>
-                  </a:outerShdw>
-                </a:effectLst>
-                <a:latin typeface="+mn-lt"/>
-                <a:ea typeface="+mn-ea"/>
-                <a:cs typeface="+mn-cs"/>
-              </a:defRPr>
-            </a:lvl4pPr>
-            <a:lvl5pPr marL="2057400" indent="-228600" algn="l" defTabSz="914400" rtl="0" eaLnBrk="1" latinLnBrk="1" hangingPunct="1">
-              <a:lnSpc>
-                <a:spcPct val="120000"/>
-              </a:lnSpc>
-              <a:spcBef>
-                <a:spcPts val="500"/>
-              </a:spcBef>
-              <a:buFont typeface="Arial" panose="020B0604020202020204" pitchFamily="34" charset="0"/>
-              <a:buChar char="•"/>
-              <a:defRPr sz="1200" kern="1200">
-                <a:solidFill>
-                  <a:schemeClr val="tx1"/>
-                </a:solidFill>
-                <a:effectLst>
-                  <a:outerShdw blurRad="50800" dist="38100" dir="2700000" algn="tl" rotWithShape="0">
-                    <a:srgbClr val="000000">
-                      <a:alpha val="48000"/>
-                    </a:srgbClr>
-                  </a:outerShdw>
-                </a:effectLst>
-                <a:latin typeface="+mn-lt"/>
-                <a:ea typeface="+mn-ea"/>
-                <a:cs typeface="+mn-cs"/>
-              </a:defRPr>
-            </a:lvl5pPr>
-            <a:lvl6pPr marL="2514600" indent="-228600" algn="l" defTabSz="914400" rtl="0" eaLnBrk="1" latinLnBrk="1" hangingPunct="1">
-              <a:lnSpc>
-                <a:spcPct val="120000"/>
-              </a:lnSpc>
-              <a:spcBef>
-                <a:spcPts val="500"/>
-              </a:spcBef>
-              <a:buFont typeface="Arial" panose="020B0604020202020204" pitchFamily="34" charset="0"/>
-              <a:buChar char="•"/>
-              <a:defRPr sz="1200" kern="1200">
-                <a:solidFill>
-                  <a:schemeClr val="tx1"/>
-                </a:solidFill>
-                <a:effectLst>
-                  <a:outerShdw blurRad="50800" dist="38100" dir="2700000" algn="tl" rotWithShape="0">
-                    <a:srgbClr val="000000">
-                      <a:alpha val="48000"/>
-                    </a:srgbClr>
-                  </a:outerShdw>
-                </a:effectLst>
-                <a:latin typeface="+mn-lt"/>
-                <a:ea typeface="+mn-ea"/>
-                <a:cs typeface="+mn-cs"/>
-              </a:defRPr>
-            </a:lvl6pPr>
-            <a:lvl7pPr marL="2971800" indent="-228600" algn="l" defTabSz="914400" rtl="0" eaLnBrk="1" latinLnBrk="1" hangingPunct="1">
-              <a:lnSpc>
-                <a:spcPct val="120000"/>
-              </a:lnSpc>
-              <a:spcBef>
-                <a:spcPts val="500"/>
-              </a:spcBef>
-              <a:buFont typeface="Arial" panose="020B0604020202020204" pitchFamily="34" charset="0"/>
-              <a:buChar char="•"/>
-              <a:defRPr sz="1200" kern="1200">
-                <a:solidFill>
-                  <a:schemeClr val="tx1"/>
-                </a:solidFill>
-                <a:effectLst>
-                  <a:outerShdw blurRad="50800" dist="38100" dir="2700000" algn="tl" rotWithShape="0">
-                    <a:srgbClr val="000000">
-                      <a:alpha val="48000"/>
-                    </a:srgbClr>
-                  </a:outerShdw>
-                </a:effectLst>
-                <a:latin typeface="+mn-lt"/>
-                <a:ea typeface="+mn-ea"/>
-                <a:cs typeface="+mn-cs"/>
-              </a:defRPr>
-            </a:lvl7pPr>
-            <a:lvl8pPr marL="3429000" indent="-228600" algn="l" defTabSz="914400" rtl="0" eaLnBrk="1" latinLnBrk="1" hangingPunct="1">
-              <a:lnSpc>
-                <a:spcPct val="120000"/>
-              </a:lnSpc>
-              <a:spcBef>
-                <a:spcPts val="500"/>
-              </a:spcBef>
-              <a:buFont typeface="Arial" panose="020B0604020202020204" pitchFamily="34" charset="0"/>
-              <a:buChar char="•"/>
-              <a:defRPr sz="1200" kern="1200">
-                <a:solidFill>
-                  <a:schemeClr val="tx1"/>
-                </a:solidFill>
-                <a:effectLst>
-                  <a:outerShdw blurRad="50800" dist="38100" dir="2700000" algn="tl" rotWithShape="0">
-                    <a:srgbClr val="000000">
-                      <a:alpha val="48000"/>
-                    </a:srgbClr>
-                  </a:outerShdw>
-                </a:effectLst>
-                <a:latin typeface="+mn-lt"/>
-                <a:ea typeface="+mn-ea"/>
-                <a:cs typeface="+mn-cs"/>
-              </a:defRPr>
-            </a:lvl8pPr>
-            <a:lvl9pPr marL="3886200" indent="-228600" algn="l" defTabSz="914400" rtl="0" eaLnBrk="1" latinLnBrk="1" hangingPunct="1">
-              <a:lnSpc>
-                <a:spcPct val="120000"/>
-              </a:lnSpc>
-              <a:spcBef>
-                <a:spcPts val="500"/>
-              </a:spcBef>
-              <a:buFont typeface="Arial" panose="020B0604020202020204" pitchFamily="34" charset="0"/>
-              <a:buChar char="•"/>
-              <a:defRPr sz="1200" kern="1200">
-                <a:solidFill>
-                  <a:schemeClr val="tx1"/>
-                </a:solidFill>
-                <a:effectLst>
-                  <a:outerShdw blurRad="50800" dist="38100" dir="2700000" algn="tl" rotWithShape="0">
-                    <a:srgbClr val="000000">
-                      <a:alpha val="48000"/>
-                    </a:srgbClr>
-                  </a:outerShdw>
-                </a:effectLst>
-                <a:latin typeface="+mn-lt"/>
-                <a:ea typeface="+mn-ea"/>
-                <a:cs typeface="+mn-cs"/>
-              </a:defRPr>
-            </a:lvl9pPr>
-          </a:lstStyle>
-          <a:p>
-            <a:pPr marL="0" indent="0" algn="ctr">
-              <a:buFont typeface="Arial" panose="020B0604020202020204" pitchFamily="34" charset="0"/>
-              <a:buNone/>
-            </a:pPr>
-            <a:endParaRPr lang="en-US" altLang="ko-KR" sz="2400" dirty="0" smtClean="0"/>
-          </a:p>
-          <a:p>
-            <a:endParaRPr lang="en-US" altLang="ko-KR" dirty="0" smtClean="0"/>
+              <a:t>….)</a:t>
+            </a:r>
           </a:p>
           <a:p>
             <a:pPr lvl="1"/>
             <a:endParaRPr lang="en-US" altLang="ko-KR" dirty="0" smtClean="0"/>
           </a:p>
           <a:p>
+            <a:r>
+              <a:rPr lang="ko-KR" altLang="en-US" dirty="0" err="1" smtClean="0"/>
+              <a:t>딥러닝</a:t>
+            </a:r>
+            <a:r>
+              <a:rPr lang="ko-KR" altLang="en-US" dirty="0" smtClean="0"/>
+              <a:t> 기초에 등장하는 수학 개념은 고등학교에서 충분히 배우는 내용입니다</a:t>
+            </a:r>
+            <a:r>
+              <a:rPr lang="en-US" altLang="ko-KR" dirty="0" smtClean="0"/>
+              <a:t>.</a:t>
+            </a:r>
+          </a:p>
+          <a:p>
             <a:pPr lvl="1"/>
+            <a:r>
+              <a:rPr lang="ko-KR" altLang="en-US" dirty="0" smtClean="0"/>
+              <a:t>미분</a:t>
+            </a:r>
+            <a:r>
+              <a:rPr lang="en-US" altLang="ko-KR" dirty="0" smtClean="0"/>
+              <a:t>, </a:t>
+            </a:r>
+            <a:r>
+              <a:rPr lang="ko-KR" altLang="en-US" dirty="0" smtClean="0"/>
+              <a:t>확률</a:t>
+            </a:r>
+            <a:r>
+              <a:rPr lang="en-US" altLang="ko-KR" dirty="0" smtClean="0"/>
+              <a:t>, </a:t>
+            </a:r>
+            <a:r>
+              <a:rPr lang="ko-KR" altLang="en-US" dirty="0" smtClean="0"/>
+              <a:t>시그마와 같은 고등학교 수학 개념이 대부분</a:t>
+            </a:r>
             <a:endParaRPr lang="en-US" altLang="ko-KR" dirty="0" smtClean="0"/>
           </a:p>
           <a:p>
             <a:pPr lvl="1"/>
-            <a:endParaRPr lang="en-US" altLang="ko-KR" dirty="0" smtClean="0"/>
-          </a:p>
-          <a:p>
-            <a:pPr lvl="1"/>
-            <a:endParaRPr lang="en-US" altLang="ko-KR" dirty="0" smtClean="0"/>
-          </a:p>
-          <a:p>
-            <a:pPr lvl="1"/>
-            <a:endParaRPr lang="en-US" altLang="ko-KR" dirty="0" smtClean="0"/>
-          </a:p>
-          <a:p>
-            <a:pPr lvl="2"/>
-            <a:r>
-              <a:rPr lang="en-US" altLang="ko-KR" dirty="0" smtClean="0"/>
-              <a:t>Computer Vision</a:t>
-            </a:r>
-          </a:p>
-          <a:p>
-            <a:pPr lvl="2"/>
-            <a:r>
-              <a:rPr lang="en-US" altLang="ko-KR" dirty="0" smtClean="0"/>
-              <a:t>Natural Scene Text</a:t>
-            </a:r>
-          </a:p>
-          <a:p>
-            <a:pPr lvl="2"/>
-            <a:r>
-              <a:rPr lang="en-US" altLang="ko-KR" dirty="0" smtClean="0"/>
-              <a:t>Etc.</a:t>
-            </a:r>
-          </a:p>
-          <a:p>
-            <a:pPr lvl="2"/>
-            <a:endParaRPr lang="en-US" altLang="ko-KR" dirty="0" smtClean="0"/>
+            <a:r>
+              <a:rPr lang="ko-KR" altLang="en-US" dirty="0" smtClean="0"/>
+              <a:t>최근 교육과정에 빠진 행렬을 비롯하여 캠프에서 따로 소개</a:t>
+            </a:r>
+            <a:endParaRPr lang="en-US" altLang="ko-KR" dirty="0"/>
           </a:p>
         </p:txBody>
       </p:sp>
     </p:spTree>
     <p:extLst>
       <p:ext uri="{BB962C8B-B14F-4D97-AF65-F5344CB8AC3E}">
-        <p14:creationId xmlns:p14="http://schemas.microsoft.com/office/powerpoint/2010/main" val="4143695950"/>
+        <p14:creationId xmlns:p14="http://schemas.microsoft.com/office/powerpoint/2010/main" val="2603028454"/>
       </p:ext>
     </p:extLst>
   </p:cSld>
@@ -6445,16 +6122,19 @@
           <a:lstStyle/>
           <a:p>
             <a:r>
-              <a:rPr lang="ko-KR" altLang="en-US" dirty="0" smtClean="0"/>
-              <a:t>진행자 소개</a:t>
-            </a:r>
-            <a:endParaRPr lang="ko-KR" altLang="en-US" dirty="0"/>
-          </a:p>
-        </p:txBody>
-      </p:sp>
-      <p:sp>
-        <p:nvSpPr>
-          <p:cNvPr id="4" name="내용 개체 틀 3"/>
+              <a:rPr lang="ko-KR" altLang="en-US" dirty="0"/>
+              <a:t>캠프에 임하면 좋은 자세는</a:t>
+            </a:r>
+            <a:r>
+              <a:rPr lang="en-US" altLang="ko-KR" dirty="0"/>
+              <a:t>…</a:t>
+            </a:r>
+          </a:p>
+        </p:txBody>
+      </p:sp>
+      <p:sp>
+        <p:nvSpPr>
+          <p:cNvPr id="3" name="내용 개체 틀 3"/>
           <p:cNvSpPr>
             <a:spLocks noGrp="1"/>
           </p:cNvSpPr>
@@ -6465,178 +6145,224 @@
         <p:spPr>
           <a:xfrm>
             <a:off x="913794" y="1825625"/>
-            <a:ext cx="10353762" cy="4501034"/>
+            <a:ext cx="10353761" cy="4501034"/>
           </a:xfrm>
         </p:spPr>
         <p:txBody>
           <a:bodyPr>
-            <a:normAutofit/>
+            <a:normAutofit fontScale="92500" lnSpcReduction="20000"/>
           </a:bodyPr>
           <a:lstStyle/>
           <a:p>
-            <a:pPr marL="0" indent="0" algn="ctr">
-              <a:buNone/>
-            </a:pPr>
-            <a:r>
-              <a:rPr lang="ko-KR" altLang="en-US" sz="2400" dirty="0" smtClean="0"/>
-              <a:t>김동현</a:t>
-            </a:r>
-            <a:endParaRPr lang="en-US" altLang="ko-KR" dirty="0" smtClean="0"/>
+            <a:r>
+              <a:rPr lang="ko-KR" altLang="en-US" dirty="0" err="1" smtClean="0"/>
+              <a:t>백문이불여일견</a:t>
+            </a:r>
+            <a:r>
+              <a:rPr lang="en-US" altLang="ko-KR" dirty="0" smtClean="0"/>
+              <a:t>, </a:t>
+            </a:r>
+            <a:r>
+              <a:rPr lang="ko-KR" altLang="en-US" dirty="0" err="1" smtClean="0"/>
+              <a:t>백문견불여일타</a:t>
+            </a:r>
+            <a:r>
+              <a:rPr lang="en-US" altLang="ko-KR" dirty="0" smtClean="0"/>
+              <a:t>!</a:t>
+            </a:r>
           </a:p>
           <a:p>
             <a:pPr lvl="1"/>
             <a:r>
+              <a:rPr lang="ko-KR" altLang="en-US" dirty="0" err="1" smtClean="0"/>
+              <a:t>듣는거</a:t>
+            </a:r>
+            <a:r>
               <a:rPr lang="ko-KR" altLang="en-US" dirty="0" smtClean="0"/>
-              <a:t>창원남산고등학교 졸업</a:t>
-            </a:r>
-            <a:endParaRPr lang="en-US" altLang="ko-KR" dirty="0" smtClean="0"/>
+              <a:t> 보다 </a:t>
+            </a:r>
+            <a:r>
+              <a:rPr lang="ko-KR" altLang="en-US" dirty="0" err="1" smtClean="0"/>
+              <a:t>보는게</a:t>
+            </a:r>
+            <a:r>
+              <a:rPr lang="ko-KR" altLang="en-US" dirty="0" smtClean="0"/>
+              <a:t> 낫고</a:t>
+            </a:r>
+            <a:r>
+              <a:rPr lang="en-US" altLang="ko-KR" dirty="0" smtClean="0"/>
+              <a:t>, </a:t>
+            </a:r>
+            <a:r>
+              <a:rPr lang="ko-KR" altLang="en-US" dirty="0" smtClean="0"/>
+              <a:t>보는 것보다도 직접 </a:t>
+            </a:r>
+            <a:r>
+              <a:rPr lang="ko-KR" altLang="en-US" dirty="0" err="1" smtClean="0"/>
+              <a:t>쳐보는게</a:t>
+            </a:r>
+            <a:r>
+              <a:rPr lang="ko-KR" altLang="en-US" dirty="0" smtClean="0"/>
+              <a:t> 가장 좋습니다</a:t>
+            </a:r>
+            <a:r>
+              <a:rPr lang="en-US" altLang="ko-KR" dirty="0" smtClean="0"/>
+              <a:t>.</a:t>
+            </a:r>
           </a:p>
           <a:p>
             <a:pPr lvl="1"/>
             <a:r>
               <a:rPr lang="ko-KR" altLang="en-US" dirty="0" smtClean="0"/>
-              <a:t>경상대학교 컴퓨터과학과 학사</a:t>
-            </a:r>
-            <a:endParaRPr lang="en-US" altLang="ko-KR" dirty="0" smtClean="0"/>
+              <a:t>캠프의 자료는 이미 올려놨지만 최대한 직접 쳐보세요</a:t>
+            </a:r>
+            <a:r>
+              <a:rPr lang="en-US" altLang="ko-KR" dirty="0" smtClean="0"/>
+              <a:t>.</a:t>
+            </a:r>
           </a:p>
           <a:p>
             <a:pPr lvl="1"/>
+            <a:endParaRPr lang="en-US" altLang="ko-KR" dirty="0"/>
+          </a:p>
+          <a:p>
             <a:r>
               <a:rPr lang="ko-KR" altLang="en-US" dirty="0" smtClean="0"/>
-              <a:t>정보컴퓨터 중등 정교사</a:t>
+              <a:t>캠프에서 본인이 진행한 자료를 남기겠다는 목표를 가질 것</a:t>
             </a:r>
             <a:r>
               <a:rPr lang="en-US" altLang="ko-KR" dirty="0" smtClean="0"/>
-              <a:t>2</a:t>
-            </a:r>
-            <a:r>
-              <a:rPr lang="ko-KR" altLang="en-US" dirty="0"/>
-              <a:t>급</a:t>
-            </a:r>
-            <a:endParaRPr lang="en-US" altLang="ko-KR" dirty="0" smtClean="0"/>
+              <a:t>!</a:t>
+            </a:r>
           </a:p>
           <a:p>
             <a:pPr lvl="1"/>
             <a:r>
               <a:rPr lang="ko-KR" altLang="en-US" dirty="0" smtClean="0"/>
-              <a:t>경상대학교 컴퓨터과학과 석사과정</a:t>
-            </a:r>
-            <a:endParaRPr lang="en-US" altLang="ko-KR" dirty="0" smtClean="0"/>
+              <a:t>실제로 중고등학생 및 대학생들이 원하는 모델을 만들어 적용해보고 있습니다</a:t>
+            </a:r>
+            <a:r>
+              <a:rPr lang="en-US" altLang="ko-KR" dirty="0" smtClean="0"/>
+              <a:t>.</a:t>
+            </a:r>
           </a:p>
           <a:p>
             <a:pPr lvl="1"/>
-            <a:endParaRPr lang="en-US" altLang="ko-KR" dirty="0" smtClean="0"/>
-          </a:p>
-          <a:p>
-            <a:pPr lvl="1"/>
-            <a:r>
-              <a:rPr lang="ko-KR" altLang="en-US" dirty="0" smtClean="0"/>
-              <a:t>지도교수</a:t>
-            </a:r>
-            <a:r>
-              <a:rPr lang="en-US" altLang="ko-KR" dirty="0" smtClean="0"/>
-              <a:t>: </a:t>
-            </a:r>
-            <a:r>
-              <a:rPr lang="ko-KR" altLang="en-US" dirty="0" smtClean="0"/>
-              <a:t>서영건 교수님</a:t>
-            </a:r>
-            <a:endParaRPr lang="en-US" altLang="ko-KR" dirty="0" smtClean="0"/>
-          </a:p>
-          <a:p>
-            <a:pPr lvl="1"/>
-            <a:r>
-              <a:rPr lang="ko-KR" altLang="en-US" dirty="0" smtClean="0"/>
-              <a:t>연구실</a:t>
-            </a:r>
-            <a:r>
-              <a:rPr lang="en-US" altLang="ko-KR" dirty="0" smtClean="0"/>
-              <a:t>: </a:t>
-            </a:r>
-            <a:r>
-              <a:rPr lang="ko-KR" altLang="en-US" dirty="0" smtClean="0"/>
-              <a:t>알고리즘 연구실</a:t>
-            </a:r>
             <a:r>
               <a:rPr lang="en-US" altLang="ko-KR" dirty="0" smtClean="0"/>
               <a:t>(</a:t>
             </a:r>
             <a:r>
+              <a:rPr lang="ko-KR" altLang="en-US" dirty="0" err="1" smtClean="0"/>
+              <a:t>딥러닝</a:t>
+            </a:r>
+            <a:r>
               <a:rPr lang="ko-KR" altLang="en-US" dirty="0" smtClean="0"/>
-              <a:t>경상대학교 </a:t>
-            </a:r>
-            <a:r>
-              <a:rPr lang="en-US" altLang="ko-KR" dirty="0" smtClean="0"/>
-              <a:t>30</a:t>
-            </a:r>
-            <a:r>
-              <a:rPr lang="ko-KR" altLang="en-US" dirty="0" smtClean="0"/>
-              <a:t>동 </a:t>
-            </a:r>
-            <a:r>
-              <a:rPr lang="en-US" altLang="ko-KR" dirty="0" smtClean="0"/>
-              <a:t>416</a:t>
-            </a:r>
-            <a:r>
-              <a:rPr lang="ko-KR" altLang="en-US" dirty="0" smtClean="0"/>
-              <a:t>호</a:t>
+              <a:t> 분야는 대학원 이상의 분야이지만 최근 일반인들도 접근하기 쉬워진 것이 한 몫</a:t>
             </a:r>
             <a:r>
               <a:rPr lang="en-US" altLang="ko-KR" dirty="0" smtClean="0"/>
               <a:t>)</a:t>
             </a:r>
+            <a:endParaRPr lang="en-US" altLang="ko-KR" dirty="0"/>
+          </a:p>
+          <a:p>
+            <a:endParaRPr lang="en-US" altLang="ko-KR" dirty="0" smtClean="0"/>
+          </a:p>
+          <a:p>
+            <a:r>
+              <a:rPr lang="ko-KR" altLang="en-US" dirty="0" smtClean="0"/>
+              <a:t>질문사항이 있을 때는 언제든지 질문하세요</a:t>
+            </a:r>
+            <a:r>
+              <a:rPr lang="en-US" altLang="ko-KR" dirty="0" smtClean="0"/>
+              <a:t>.</a:t>
+            </a:r>
           </a:p>
           <a:p>
             <a:pPr lvl="1"/>
             <a:r>
               <a:rPr lang="ko-KR" altLang="en-US" dirty="0" smtClean="0"/>
-              <a:t>연구분야</a:t>
+              <a:t>진도 방해라든가 </a:t>
+            </a:r>
+            <a:r>
+              <a:rPr lang="ko-KR" altLang="en-US" dirty="0" err="1" smtClean="0"/>
+              <a:t>이런거</a:t>
+            </a:r>
+            <a:r>
+              <a:rPr lang="ko-KR" altLang="en-US" dirty="0" smtClean="0"/>
+              <a:t> </a:t>
+            </a:r>
+            <a:r>
+              <a:rPr lang="ko-KR" altLang="en-US" dirty="0" err="1" smtClean="0"/>
+              <a:t>신경쓰지</a:t>
+            </a:r>
+            <a:r>
+              <a:rPr lang="ko-KR" altLang="en-US" dirty="0" smtClean="0"/>
+              <a:t> 마세요</a:t>
             </a:r>
             <a:r>
               <a:rPr lang="en-US" altLang="ko-KR" dirty="0" smtClean="0"/>
-              <a:t>: Image Segmentation, Image Matting</a:t>
-            </a:r>
+              <a:t>.</a:t>
+            </a:r>
+            <a:endParaRPr lang="en-US" altLang="ko-KR" dirty="0"/>
           </a:p>
           <a:p>
             <a:pPr lvl="1"/>
             <a:r>
+              <a:rPr lang="ko-KR" altLang="en-US" dirty="0" smtClean="0"/>
+              <a:t>다만 언어 문법에 대해서 이해가 되지 </a:t>
+            </a:r>
+            <a:r>
+              <a:rPr lang="ko-KR" altLang="en-US" dirty="0" err="1" smtClean="0"/>
+              <a:t>않는건</a:t>
+            </a:r>
+            <a:r>
+              <a:rPr lang="ko-KR" altLang="en-US" dirty="0" smtClean="0"/>
+              <a:t> 어쩔 수가 없습니다</a:t>
+            </a:r>
+            <a:r>
               <a:rPr lang="en-US" altLang="ko-KR" dirty="0" smtClean="0"/>
-              <a:t>E-mail: </a:t>
-            </a:r>
-            <a:r>
-              <a:rPr lang="en-US" altLang="ko-KR" dirty="0" smtClean="0">
-                <a:hlinkClick r:id="rId2"/>
-              </a:rPr>
-              <a:t>across0406@nate.com</a:t>
-            </a:r>
-            <a:endParaRPr lang="en-US" altLang="ko-KR" dirty="0"/>
+              <a:t>.</a:t>
+            </a:r>
           </a:p>
           <a:p>
             <a:pPr lvl="1"/>
             <a:r>
-              <a:rPr lang="en-US" altLang="ko-KR" dirty="0">
-                <a:hlinkClick r:id="rId3"/>
-              </a:rPr>
-              <a:t>https://</a:t>
-            </a:r>
-            <a:r>
-              <a:rPr lang="en-US" altLang="ko-KR" dirty="0" smtClean="0">
-                <a:hlinkClick r:id="rId3"/>
-              </a:rPr>
-              <a:t>wiki.gnuxer.com/user/across0406</a:t>
-            </a:r>
-            <a:endParaRPr lang="en-US" altLang="ko-KR" dirty="0" smtClean="0"/>
-          </a:p>
-          <a:p>
-            <a:pPr lvl="1"/>
-            <a:endParaRPr lang="en-US" altLang="ko-KR" dirty="0" smtClean="0"/>
+              <a:rPr lang="en-US" altLang="ko-KR" dirty="0" err="1" smtClean="0"/>
+              <a:t>E.g</a:t>
+            </a:r>
+            <a:r>
+              <a:rPr lang="en-US" altLang="ko-KR" dirty="0" smtClean="0"/>
+              <a:t>) </a:t>
+            </a:r>
+            <a:r>
+              <a:rPr lang="ko-KR" altLang="en-US" dirty="0"/>
+              <a:t>아</a:t>
+            </a:r>
+            <a:r>
+              <a:rPr lang="ko-KR" altLang="en-US" dirty="0" smtClean="0"/>
+              <a:t>기가 엄마</a:t>
+            </a:r>
+            <a:r>
+              <a:rPr lang="en-US" altLang="ko-KR" dirty="0" smtClean="0"/>
+              <a:t>, </a:t>
+            </a:r>
+            <a:r>
+              <a:rPr lang="ko-KR" altLang="en-US" dirty="0" smtClean="0"/>
+              <a:t>아빠라는 단어를 이해하고 부르진 않죠</a:t>
+            </a:r>
+            <a:r>
+              <a:rPr lang="en-US" altLang="ko-KR" dirty="0" smtClean="0"/>
+              <a:t>…^^</a:t>
+            </a:r>
           </a:p>
         </p:txBody>
       </p:sp>
     </p:spTree>
     <p:extLst>
       <p:ext uri="{BB962C8B-B14F-4D97-AF65-F5344CB8AC3E}">
-        <p14:creationId xmlns:p14="http://schemas.microsoft.com/office/powerpoint/2010/main" val="1172679852"/>
+        <p14:creationId xmlns:p14="http://schemas.microsoft.com/office/powerpoint/2010/main" val="2894110959"/>
       </p:ext>
     </p:extLst>
   </p:cSld>
@@ -6680,7 +6406,7 @@
           <a:p>
             <a:r>
               <a:rPr lang="ko-KR" altLang="en-US" dirty="0" smtClean="0"/>
-              <a:t>진행보조 소개</a:t>
+              <a:t>진행 순서</a:t>
             </a:r>
             <a:endParaRPr lang="ko-KR" altLang="en-US" dirty="0"/>
           </a:p>
@@ -6688,506 +6414,7 @@
       </p:sp>
       <p:sp>
         <p:nvSpPr>
-          <p:cNvPr id="4" name="내용 개체 틀 3"/>
-          <p:cNvSpPr>
-            <a:spLocks noGrp="1"/>
-          </p:cNvSpPr>
-          <p:nvPr>
-            <p:ph idx="1"/>
-          </p:nvPr>
-        </p:nvSpPr>
-        <p:spPr>
-          <a:xfrm>
-            <a:off x="913795" y="1825625"/>
-            <a:ext cx="5305774" cy="4501034"/>
-          </a:xfrm>
-        </p:spPr>
-        <p:txBody>
-          <a:bodyPr>
-            <a:normAutofit/>
-          </a:bodyPr>
-          <a:lstStyle/>
-          <a:p>
-            <a:pPr marL="0" indent="0" algn="ctr">
-              <a:buNone/>
-            </a:pPr>
-            <a:endParaRPr lang="en-US" altLang="ko-KR" sz="2400" dirty="0" smtClean="0"/>
-          </a:p>
-          <a:p>
-            <a:pPr marL="0" indent="0" algn="ctr">
-              <a:buNone/>
-            </a:pPr>
-            <a:endParaRPr lang="en-US" altLang="ko-KR" sz="2400" dirty="0"/>
-          </a:p>
-          <a:p>
-            <a:pPr marL="0" indent="0" algn="ctr">
-              <a:buNone/>
-            </a:pPr>
-            <a:r>
-              <a:rPr lang="ko-KR" altLang="en-US" sz="2400" dirty="0" smtClean="0"/>
-              <a:t>박정욱</a:t>
-            </a:r>
-            <a:endParaRPr lang="en-US" altLang="ko-KR" dirty="0" smtClean="0"/>
-          </a:p>
-          <a:p>
-            <a:pPr lvl="1"/>
-            <a:endParaRPr lang="en-US" altLang="ko-KR" dirty="0" smtClean="0"/>
-          </a:p>
-          <a:p>
-            <a:pPr lvl="1"/>
-            <a:r>
-              <a:rPr lang="ko-KR" altLang="en-US" dirty="0" smtClean="0"/>
-              <a:t>경상대학교 컴퓨터과학과 학사과정</a:t>
-            </a:r>
-            <a:endParaRPr lang="en-US" altLang="ko-KR" dirty="0" smtClean="0"/>
-          </a:p>
-          <a:p>
-            <a:pPr lvl="1"/>
-            <a:endParaRPr lang="en-US" altLang="ko-KR" dirty="0" smtClean="0"/>
-          </a:p>
-          <a:p>
-            <a:pPr lvl="1"/>
-            <a:r>
-              <a:rPr lang="ko-KR" altLang="en-US" dirty="0" smtClean="0"/>
-              <a:t>연구실</a:t>
-            </a:r>
-            <a:r>
-              <a:rPr lang="en-US" altLang="ko-KR" dirty="0" smtClean="0"/>
-              <a:t>: </a:t>
-            </a:r>
-            <a:r>
-              <a:rPr lang="ko-KR" altLang="en-US" dirty="0" smtClean="0"/>
-              <a:t>알고리즘 연구실</a:t>
-            </a:r>
-            <a:r>
-              <a:rPr lang="en-US" altLang="ko-KR" dirty="0" smtClean="0"/>
-              <a:t>(</a:t>
-            </a:r>
-            <a:r>
-              <a:rPr lang="ko-KR" altLang="en-US" dirty="0" smtClean="0"/>
-              <a:t>경상대학교 </a:t>
-            </a:r>
-            <a:r>
-              <a:rPr lang="en-US" altLang="ko-KR" dirty="0" smtClean="0"/>
-              <a:t>30</a:t>
-            </a:r>
-            <a:r>
-              <a:rPr lang="ko-KR" altLang="en-US" dirty="0" smtClean="0"/>
-              <a:t>동 </a:t>
-            </a:r>
-            <a:r>
-              <a:rPr lang="en-US" altLang="ko-KR" dirty="0" smtClean="0"/>
-              <a:t>416</a:t>
-            </a:r>
-            <a:r>
-              <a:rPr lang="ko-KR" altLang="en-US" dirty="0" smtClean="0"/>
-              <a:t>호</a:t>
-            </a:r>
-            <a:r>
-              <a:rPr lang="en-US" altLang="ko-KR" dirty="0" smtClean="0"/>
-              <a:t>)</a:t>
-            </a:r>
-          </a:p>
-          <a:p>
-            <a:pPr lvl="1"/>
-            <a:endParaRPr lang="en-US" altLang="ko-KR" dirty="0" smtClean="0"/>
-          </a:p>
-        </p:txBody>
-      </p:sp>
-      <p:sp>
-        <p:nvSpPr>
-          <p:cNvPr id="6" name="내용 개체 틀 3"/>
-          <p:cNvSpPr txBox="1">
-            <a:spLocks/>
-          </p:cNvSpPr>
-          <p:nvPr/>
-        </p:nvSpPr>
-        <p:spPr>
-          <a:xfrm>
-            <a:off x="5961782" y="1817416"/>
-            <a:ext cx="5305774" cy="4501034"/>
-          </a:xfrm>
-          <a:prstGeom prst="rect">
-            <a:avLst/>
-          </a:prstGeom>
-        </p:spPr>
-        <p:txBody>
-          <a:bodyPr vert="horz" lIns="91440" tIns="45720" rIns="91440" bIns="45720" rtlCol="0">
-            <a:normAutofit/>
-          </a:bodyPr>
-          <a:lstStyle>
-            <a:lvl1pPr marL="228600" indent="-228600" algn="l" defTabSz="914400" rtl="0" eaLnBrk="1" latinLnBrk="1" hangingPunct="1">
-              <a:lnSpc>
-                <a:spcPct val="120000"/>
-              </a:lnSpc>
-              <a:spcBef>
-                <a:spcPts val="1000"/>
-              </a:spcBef>
-              <a:buFont typeface="Arial" panose="020B0604020202020204" pitchFamily="34" charset="0"/>
-              <a:buChar char="•"/>
-              <a:defRPr sz="2000" kern="1200">
-                <a:solidFill>
-                  <a:schemeClr val="tx1"/>
-                </a:solidFill>
-                <a:effectLst>
-                  <a:outerShdw blurRad="50800" dist="38100" dir="2700000" algn="tl" rotWithShape="0">
-                    <a:srgbClr val="000000">
-                      <a:alpha val="48000"/>
-                    </a:srgbClr>
-                  </a:outerShdw>
-                </a:effectLst>
-                <a:latin typeface="+mn-lt"/>
-                <a:ea typeface="+mn-ea"/>
-                <a:cs typeface="+mn-cs"/>
-              </a:defRPr>
-            </a:lvl1pPr>
-            <a:lvl2pPr marL="685800" indent="-228600" algn="l" defTabSz="914400" rtl="0" eaLnBrk="1" latinLnBrk="1" hangingPunct="1">
-              <a:lnSpc>
-                <a:spcPct val="120000"/>
-              </a:lnSpc>
-              <a:spcBef>
-                <a:spcPts val="500"/>
-              </a:spcBef>
-              <a:buFont typeface="Arial" panose="020B0604020202020204" pitchFamily="34" charset="0"/>
-              <a:buChar char="•"/>
-              <a:defRPr sz="1800" kern="1200">
-                <a:solidFill>
-                  <a:schemeClr val="tx1"/>
-                </a:solidFill>
-                <a:effectLst>
-                  <a:outerShdw blurRad="50800" dist="38100" dir="2700000" algn="tl" rotWithShape="0">
-                    <a:srgbClr val="000000">
-                      <a:alpha val="48000"/>
-                    </a:srgbClr>
-                  </a:outerShdw>
-                </a:effectLst>
-                <a:latin typeface="+mn-lt"/>
-                <a:ea typeface="+mn-ea"/>
-                <a:cs typeface="+mn-cs"/>
-              </a:defRPr>
-            </a:lvl2pPr>
-            <a:lvl3pPr marL="1143000" indent="-228600" algn="l" defTabSz="914400" rtl="0" eaLnBrk="1" latinLnBrk="1" hangingPunct="1">
-              <a:lnSpc>
-                <a:spcPct val="120000"/>
-              </a:lnSpc>
-              <a:spcBef>
-                <a:spcPts val="500"/>
-              </a:spcBef>
-              <a:buFont typeface="Arial" panose="020B0604020202020204" pitchFamily="34" charset="0"/>
-              <a:buChar char="•"/>
-              <a:defRPr sz="1600" kern="1200">
-                <a:solidFill>
-                  <a:schemeClr val="tx1"/>
-                </a:solidFill>
-                <a:effectLst>
-                  <a:outerShdw blurRad="50800" dist="38100" dir="2700000" algn="tl" rotWithShape="0">
-                    <a:srgbClr val="000000">
-                      <a:alpha val="48000"/>
-                    </a:srgbClr>
-                  </a:outerShdw>
-                </a:effectLst>
-                <a:latin typeface="+mn-lt"/>
-                <a:ea typeface="+mn-ea"/>
-                <a:cs typeface="+mn-cs"/>
-              </a:defRPr>
-            </a:lvl3pPr>
-            <a:lvl4pPr marL="1600200" indent="-228600" algn="l" defTabSz="914400" rtl="0" eaLnBrk="1" latinLnBrk="1" hangingPunct="1">
-              <a:lnSpc>
-                <a:spcPct val="120000"/>
-              </a:lnSpc>
-              <a:spcBef>
-                <a:spcPts val="500"/>
-              </a:spcBef>
-              <a:buFont typeface="Arial" panose="020B0604020202020204" pitchFamily="34" charset="0"/>
-              <a:buChar char="•"/>
-              <a:defRPr sz="1400" kern="1200">
-                <a:solidFill>
-                  <a:schemeClr val="tx1"/>
-                </a:solidFill>
-                <a:effectLst>
-                  <a:outerShdw blurRad="50800" dist="38100" dir="2700000" algn="tl" rotWithShape="0">
-                    <a:srgbClr val="000000">
-                      <a:alpha val="48000"/>
-                    </a:srgbClr>
-                  </a:outerShdw>
-                </a:effectLst>
-                <a:latin typeface="+mn-lt"/>
-                <a:ea typeface="+mn-ea"/>
-                <a:cs typeface="+mn-cs"/>
-              </a:defRPr>
-            </a:lvl4pPr>
-            <a:lvl5pPr marL="2057400" indent="-228600" algn="l" defTabSz="914400" rtl="0" eaLnBrk="1" latinLnBrk="1" hangingPunct="1">
-              <a:lnSpc>
-                <a:spcPct val="120000"/>
-              </a:lnSpc>
-              <a:spcBef>
-                <a:spcPts val="500"/>
-              </a:spcBef>
-              <a:buFont typeface="Arial" panose="020B0604020202020204" pitchFamily="34" charset="0"/>
-              <a:buChar char="•"/>
-              <a:defRPr sz="1200" kern="1200">
-                <a:solidFill>
-                  <a:schemeClr val="tx1"/>
-                </a:solidFill>
-                <a:effectLst>
-                  <a:outerShdw blurRad="50800" dist="38100" dir="2700000" algn="tl" rotWithShape="0">
-                    <a:srgbClr val="000000">
-                      <a:alpha val="48000"/>
-                    </a:srgbClr>
-                  </a:outerShdw>
-                </a:effectLst>
-                <a:latin typeface="+mn-lt"/>
-                <a:ea typeface="+mn-ea"/>
-                <a:cs typeface="+mn-cs"/>
-              </a:defRPr>
-            </a:lvl5pPr>
-            <a:lvl6pPr marL="2514600" indent="-228600" algn="l" defTabSz="914400" rtl="0" eaLnBrk="1" latinLnBrk="1" hangingPunct="1">
-              <a:lnSpc>
-                <a:spcPct val="120000"/>
-              </a:lnSpc>
-              <a:spcBef>
-                <a:spcPts val="500"/>
-              </a:spcBef>
-              <a:buFont typeface="Arial" panose="020B0604020202020204" pitchFamily="34" charset="0"/>
-              <a:buChar char="•"/>
-              <a:defRPr sz="1200" kern="1200">
-                <a:solidFill>
-                  <a:schemeClr val="tx1"/>
-                </a:solidFill>
-                <a:effectLst>
-                  <a:outerShdw blurRad="50800" dist="38100" dir="2700000" algn="tl" rotWithShape="0">
-                    <a:srgbClr val="000000">
-                      <a:alpha val="48000"/>
-                    </a:srgbClr>
-                  </a:outerShdw>
-                </a:effectLst>
-                <a:latin typeface="+mn-lt"/>
-                <a:ea typeface="+mn-ea"/>
-                <a:cs typeface="+mn-cs"/>
-              </a:defRPr>
-            </a:lvl6pPr>
-            <a:lvl7pPr marL="2971800" indent="-228600" algn="l" defTabSz="914400" rtl="0" eaLnBrk="1" latinLnBrk="1" hangingPunct="1">
-              <a:lnSpc>
-                <a:spcPct val="120000"/>
-              </a:lnSpc>
-              <a:spcBef>
-                <a:spcPts val="500"/>
-              </a:spcBef>
-              <a:buFont typeface="Arial" panose="020B0604020202020204" pitchFamily="34" charset="0"/>
-              <a:buChar char="•"/>
-              <a:defRPr sz="1200" kern="1200">
-                <a:solidFill>
-                  <a:schemeClr val="tx1"/>
-                </a:solidFill>
-                <a:effectLst>
-                  <a:outerShdw blurRad="50800" dist="38100" dir="2700000" algn="tl" rotWithShape="0">
-                    <a:srgbClr val="000000">
-                      <a:alpha val="48000"/>
-                    </a:srgbClr>
-                  </a:outerShdw>
-                </a:effectLst>
-                <a:latin typeface="+mn-lt"/>
-                <a:ea typeface="+mn-ea"/>
-                <a:cs typeface="+mn-cs"/>
-              </a:defRPr>
-            </a:lvl7pPr>
-            <a:lvl8pPr marL="3429000" indent="-228600" algn="l" defTabSz="914400" rtl="0" eaLnBrk="1" latinLnBrk="1" hangingPunct="1">
-              <a:lnSpc>
-                <a:spcPct val="120000"/>
-              </a:lnSpc>
-              <a:spcBef>
-                <a:spcPts val="500"/>
-              </a:spcBef>
-              <a:buFont typeface="Arial" panose="020B0604020202020204" pitchFamily="34" charset="0"/>
-              <a:buChar char="•"/>
-              <a:defRPr sz="1200" kern="1200">
-                <a:solidFill>
-                  <a:schemeClr val="tx1"/>
-                </a:solidFill>
-                <a:effectLst>
-                  <a:outerShdw blurRad="50800" dist="38100" dir="2700000" algn="tl" rotWithShape="0">
-                    <a:srgbClr val="000000">
-                      <a:alpha val="48000"/>
-                    </a:srgbClr>
-                  </a:outerShdw>
-                </a:effectLst>
-                <a:latin typeface="+mn-lt"/>
-                <a:ea typeface="+mn-ea"/>
-                <a:cs typeface="+mn-cs"/>
-              </a:defRPr>
-            </a:lvl8pPr>
-            <a:lvl9pPr marL="3886200" indent="-228600" algn="l" defTabSz="914400" rtl="0" eaLnBrk="1" latinLnBrk="1" hangingPunct="1">
-              <a:lnSpc>
-                <a:spcPct val="120000"/>
-              </a:lnSpc>
-              <a:spcBef>
-                <a:spcPts val="500"/>
-              </a:spcBef>
-              <a:buFont typeface="Arial" panose="020B0604020202020204" pitchFamily="34" charset="0"/>
-              <a:buChar char="•"/>
-              <a:defRPr sz="1200" kern="1200">
-                <a:solidFill>
-                  <a:schemeClr val="tx1"/>
-                </a:solidFill>
-                <a:effectLst>
-                  <a:outerShdw blurRad="50800" dist="38100" dir="2700000" algn="tl" rotWithShape="0">
-                    <a:srgbClr val="000000">
-                      <a:alpha val="48000"/>
-                    </a:srgbClr>
-                  </a:outerShdw>
-                </a:effectLst>
-                <a:latin typeface="+mn-lt"/>
-                <a:ea typeface="+mn-ea"/>
-                <a:cs typeface="+mn-cs"/>
-              </a:defRPr>
-            </a:lvl9pPr>
-          </a:lstStyle>
-          <a:p>
-            <a:pPr marL="0" indent="0" algn="ctr">
-              <a:buFont typeface="Arial" panose="020B0604020202020204" pitchFamily="34" charset="0"/>
-              <a:buNone/>
-            </a:pPr>
-            <a:endParaRPr lang="en-US" altLang="ko-KR" dirty="0"/>
-          </a:p>
-          <a:p>
-            <a:pPr marL="0" indent="0" algn="ctr">
-              <a:buFont typeface="Arial" panose="020B0604020202020204" pitchFamily="34" charset="0"/>
-              <a:buNone/>
-            </a:pPr>
-            <a:endParaRPr lang="en-US" altLang="ko-KR" sz="2400" dirty="0" smtClean="0"/>
-          </a:p>
-          <a:p>
-            <a:pPr marL="0" indent="0" algn="ctr">
-              <a:buFont typeface="Arial" panose="020B0604020202020204" pitchFamily="34" charset="0"/>
-              <a:buNone/>
-            </a:pPr>
-            <a:r>
-              <a:rPr lang="ko-KR" altLang="en-US" sz="2400" dirty="0" smtClean="0"/>
-              <a:t>한동진</a:t>
-            </a:r>
-            <a:endParaRPr lang="en-US" altLang="ko-KR" sz="2400" dirty="0" smtClean="0"/>
-          </a:p>
-          <a:p>
-            <a:pPr lvl="1"/>
-            <a:endParaRPr lang="en-US" altLang="ko-KR" dirty="0" smtClean="0"/>
-          </a:p>
-          <a:p>
-            <a:pPr lvl="1"/>
-            <a:r>
-              <a:rPr lang="ko-KR" altLang="en-US" dirty="0" smtClean="0"/>
-              <a:t>경상대학교 컴퓨터과학과 학사과정</a:t>
-            </a:r>
-            <a:endParaRPr lang="en-US" altLang="ko-KR" dirty="0" smtClean="0"/>
-          </a:p>
-          <a:p>
-            <a:pPr lvl="1"/>
-            <a:endParaRPr lang="en-US" altLang="ko-KR" dirty="0"/>
-          </a:p>
-          <a:p>
-            <a:pPr lvl="1"/>
-            <a:r>
-              <a:rPr lang="ko-KR" altLang="en-US" dirty="0" smtClean="0"/>
-              <a:t>연구실</a:t>
-            </a:r>
-            <a:r>
-              <a:rPr lang="en-US" altLang="ko-KR" dirty="0" smtClean="0"/>
-              <a:t>: </a:t>
-            </a:r>
-            <a:r>
-              <a:rPr lang="ko-KR" altLang="en-US" dirty="0" smtClean="0"/>
-              <a:t>알고리즘 연구실</a:t>
-            </a:r>
-            <a:r>
-              <a:rPr lang="en-US" altLang="ko-KR" dirty="0" smtClean="0"/>
-              <a:t>(</a:t>
-            </a:r>
-            <a:r>
-              <a:rPr lang="ko-KR" altLang="en-US" dirty="0" smtClean="0"/>
-              <a:t>경상대학교 </a:t>
-            </a:r>
-            <a:r>
-              <a:rPr lang="en-US" altLang="ko-KR" dirty="0" smtClean="0"/>
-              <a:t>30</a:t>
-            </a:r>
-            <a:r>
-              <a:rPr lang="ko-KR" altLang="en-US" dirty="0" smtClean="0"/>
-              <a:t>동 </a:t>
-            </a:r>
-            <a:r>
-              <a:rPr lang="en-US" altLang="ko-KR" dirty="0" smtClean="0"/>
-              <a:t>416</a:t>
-            </a:r>
-            <a:r>
-              <a:rPr lang="ko-KR" altLang="en-US" dirty="0" smtClean="0"/>
-              <a:t>호</a:t>
-            </a:r>
-            <a:r>
-              <a:rPr lang="en-US" altLang="ko-KR" dirty="0" smtClean="0"/>
-              <a:t>)</a:t>
-            </a:r>
-          </a:p>
-          <a:p>
-            <a:pPr lvl="1"/>
-            <a:endParaRPr lang="en-US" altLang="ko-KR" dirty="0" smtClean="0"/>
-          </a:p>
-        </p:txBody>
-      </p:sp>
-    </p:spTree>
-    <p:extLst>
-      <p:ext uri="{BB962C8B-B14F-4D97-AF65-F5344CB8AC3E}">
-        <p14:creationId xmlns:p14="http://schemas.microsoft.com/office/powerpoint/2010/main" val="738992767"/>
-      </p:ext>
-    </p:extLst>
-  </p:cSld>
-  <p:clrMapOvr>
-    <a:masterClrMapping/>
-  </p:clrMapOvr>
-</p:sld>
-</file>
-
-<file path=ppt/slides/slide6.xml><?xml version="1.0" encoding="utf-8"?>
-<p:sld xmlns:a="http://schemas.openxmlformats.org/drawingml/2006/main" xmlns:r="http://schemas.openxmlformats.org/officeDocument/2006/relationships" xmlns:p="http://schemas.openxmlformats.org/presentationml/2006/main">
-  <p:cSld>
-    <p:spTree>
-      <p:nvGrpSpPr>
-        <p:cNvPr id="1" name=""/>
-        <p:cNvGrpSpPr/>
-        <p:nvPr/>
-      </p:nvGrpSpPr>
-      <p:grpSpPr>
-        <a:xfrm>
-          <a:off x="0" y="0"/>
-          <a:ext cx="0" cy="0"/>
-          <a:chOff x="0" y="0"/>
-          <a:chExt cx="0" cy="0"/>
-        </a:xfrm>
-      </p:grpSpPr>
-      <p:sp>
-        <p:nvSpPr>
-          <p:cNvPr id="2" name="제목 1"/>
-          <p:cNvSpPr>
-            <a:spLocks noGrp="1"/>
-          </p:cNvSpPr>
-          <p:nvPr>
-            <p:ph type="title"/>
-          </p:nvPr>
-        </p:nvSpPr>
-        <p:spPr/>
-        <p:txBody>
-          <a:bodyPr/>
-          <a:lstStyle/>
-          <a:p>
-            <a:r>
-              <a:rPr lang="ko-KR" altLang="en-US" dirty="0" smtClean="0"/>
-              <a:t>캠프의 목적</a:t>
-            </a:r>
-            <a:endParaRPr lang="ko-KR" altLang="en-US" dirty="0"/>
-          </a:p>
-        </p:txBody>
-      </p:sp>
-      <p:sp>
-        <p:nvSpPr>
-          <p:cNvPr id="3" name="내용 개체 틀 3"/>
+          <p:cNvPr id="9" name="내용 개체 틀 3"/>
           <p:cNvSpPr>
             <a:spLocks noGrp="1"/>
           </p:cNvSpPr>
@@ -7207,522 +6434,6 @@
           </a:bodyPr>
           <a:lstStyle/>
           <a:p>
-            <a:r>
-              <a:rPr lang="ko-KR" altLang="en-US" dirty="0" err="1" smtClean="0"/>
-              <a:t>딥러닝</a:t>
-            </a:r>
-            <a:r>
-              <a:rPr lang="ko-KR" altLang="en-US" dirty="0" smtClean="0"/>
-              <a:t> 구조가 기본적으로 어떻게 생겼나</a:t>
-            </a:r>
-            <a:r>
-              <a:rPr lang="en-US" altLang="ko-KR" dirty="0" smtClean="0"/>
-              <a:t>?</a:t>
-            </a:r>
-          </a:p>
-          <a:p>
-            <a:pPr lvl="1"/>
-            <a:r>
-              <a:rPr lang="ko-KR" altLang="en-US" dirty="0" smtClean="0"/>
-              <a:t>직접 짤 수 있을 정도의 능력은 내용을 듣고 스스로 공부하고 </a:t>
-            </a:r>
-            <a:r>
-              <a:rPr lang="ko-KR" altLang="en-US" dirty="0" err="1" smtClean="0"/>
-              <a:t>코딩해봐야</a:t>
-            </a:r>
-            <a:r>
-              <a:rPr lang="ko-KR" altLang="en-US" dirty="0" smtClean="0"/>
-              <a:t> 합니다</a:t>
-            </a:r>
-            <a:r>
-              <a:rPr lang="en-US" altLang="ko-KR" dirty="0" smtClean="0"/>
-              <a:t>.</a:t>
-            </a:r>
-            <a:r>
-              <a:rPr lang="ko-KR" altLang="en-US" dirty="0" smtClean="0"/>
-              <a:t> </a:t>
-            </a:r>
-            <a:endParaRPr lang="en-US" altLang="ko-KR" dirty="0" smtClean="0"/>
-          </a:p>
-          <a:p>
-            <a:pPr lvl="1"/>
-            <a:endParaRPr lang="en-US" altLang="ko-KR" dirty="0" smtClean="0"/>
-          </a:p>
-          <a:p>
-            <a:r>
-              <a:rPr lang="ko-KR" altLang="en-US" dirty="0" smtClean="0"/>
-              <a:t>딱 오늘만을 위한 </a:t>
-            </a:r>
-            <a:r>
-              <a:rPr lang="en-US" altLang="ko-KR" dirty="0" smtClean="0"/>
-              <a:t>Python </a:t>
-            </a:r>
-            <a:r>
-              <a:rPr lang="ko-KR" altLang="en-US" dirty="0" smtClean="0"/>
-              <a:t>프로그래밍 언어의 </a:t>
-            </a:r>
-            <a:r>
-              <a:rPr lang="en-US" altLang="ko-KR" dirty="0" smtClean="0"/>
-              <a:t>‘</a:t>
-            </a:r>
-            <a:r>
-              <a:rPr lang="ko-KR" altLang="en-US" dirty="0" smtClean="0"/>
-              <a:t>최소한의</a:t>
-            </a:r>
-            <a:r>
-              <a:rPr lang="en-US" altLang="ko-KR" dirty="0" smtClean="0"/>
-              <a:t>’</a:t>
-            </a:r>
-            <a:r>
-              <a:rPr lang="ko-KR" altLang="en-US" dirty="0" smtClean="0"/>
-              <a:t> 문법</a:t>
-            </a:r>
-            <a:endParaRPr lang="en-US" altLang="ko-KR" dirty="0" smtClean="0"/>
-          </a:p>
-          <a:p>
-            <a:pPr marL="457200" lvl="1" indent="0">
-              <a:buNone/>
-            </a:pPr>
-            <a:r>
-              <a:rPr lang="en-US" altLang="ko-KR" dirty="0" smtClean="0"/>
-              <a:t>(</a:t>
-            </a:r>
-            <a:r>
-              <a:rPr lang="ko-KR" altLang="en-US" dirty="0" smtClean="0"/>
-              <a:t>오늘 </a:t>
-            </a:r>
-            <a:r>
-              <a:rPr lang="en-US" altLang="ko-KR" dirty="0" smtClean="0"/>
-              <a:t>Python </a:t>
-            </a:r>
-            <a:r>
-              <a:rPr lang="ko-KR" altLang="en-US" dirty="0" smtClean="0"/>
-              <a:t>배운다고 프로그래밍 할 수 있을 정도가 되진 </a:t>
-            </a:r>
-            <a:r>
-              <a:rPr lang="ko-KR" altLang="en-US" dirty="0" err="1" smtClean="0"/>
-              <a:t>않을겁니다</a:t>
-            </a:r>
-            <a:r>
-              <a:rPr lang="en-US" altLang="ko-KR" dirty="0" smtClean="0"/>
-              <a:t>….)</a:t>
-            </a:r>
-          </a:p>
-          <a:p>
-            <a:pPr lvl="1"/>
-            <a:endParaRPr lang="en-US" altLang="ko-KR" dirty="0" smtClean="0"/>
-          </a:p>
-          <a:p>
-            <a:r>
-              <a:rPr lang="ko-KR" altLang="en-US" dirty="0" err="1" smtClean="0"/>
-              <a:t>딥러닝</a:t>
-            </a:r>
-            <a:r>
-              <a:rPr lang="ko-KR" altLang="en-US" dirty="0" smtClean="0"/>
-              <a:t> 기초에 등장하는 수학 개념은 고등학교에서 충분히 배우는 내용입니다</a:t>
-            </a:r>
-            <a:r>
-              <a:rPr lang="en-US" altLang="ko-KR" dirty="0" smtClean="0"/>
-              <a:t>.</a:t>
-            </a:r>
-          </a:p>
-          <a:p>
-            <a:pPr lvl="1"/>
-            <a:r>
-              <a:rPr lang="ko-KR" altLang="en-US" dirty="0" smtClean="0"/>
-              <a:t>미분</a:t>
-            </a:r>
-            <a:r>
-              <a:rPr lang="en-US" altLang="ko-KR" dirty="0" smtClean="0"/>
-              <a:t>, </a:t>
-            </a:r>
-            <a:r>
-              <a:rPr lang="ko-KR" altLang="en-US" dirty="0" smtClean="0"/>
-              <a:t>확률</a:t>
-            </a:r>
-            <a:r>
-              <a:rPr lang="en-US" altLang="ko-KR" dirty="0" smtClean="0"/>
-              <a:t>, </a:t>
-            </a:r>
-            <a:r>
-              <a:rPr lang="ko-KR" altLang="en-US" dirty="0" smtClean="0"/>
-              <a:t>시그마와 같은 고등학교 수학 개념이 대부분</a:t>
-            </a:r>
-            <a:endParaRPr lang="en-US" altLang="ko-KR" dirty="0" smtClean="0"/>
-          </a:p>
-          <a:p>
-            <a:pPr lvl="1"/>
-            <a:r>
-              <a:rPr lang="ko-KR" altLang="en-US" dirty="0" smtClean="0"/>
-              <a:t>최근 교육과정에 빠진 행렬을 비롯하여 캠프에서 따로 소개</a:t>
-            </a:r>
-            <a:endParaRPr lang="en-US" altLang="ko-KR" dirty="0"/>
-          </a:p>
-        </p:txBody>
-      </p:sp>
-    </p:spTree>
-    <p:extLst>
-      <p:ext uri="{BB962C8B-B14F-4D97-AF65-F5344CB8AC3E}">
-        <p14:creationId xmlns:p14="http://schemas.microsoft.com/office/powerpoint/2010/main" val="2603028454"/>
-      </p:ext>
-    </p:extLst>
-  </p:cSld>
-  <p:clrMapOvr>
-    <a:masterClrMapping/>
-  </p:clrMapOvr>
-</p:sld>
-</file>
-
-<file path=ppt/slides/slide7.xml><?xml version="1.0" encoding="utf-8"?>
-<p:sld xmlns:a="http://schemas.openxmlformats.org/drawingml/2006/main" xmlns:r="http://schemas.openxmlformats.org/officeDocument/2006/relationships" xmlns:p="http://schemas.openxmlformats.org/presentationml/2006/main">
-  <p:cSld>
-    <p:spTree>
-      <p:nvGrpSpPr>
-        <p:cNvPr id="1" name=""/>
-        <p:cNvGrpSpPr/>
-        <p:nvPr/>
-      </p:nvGrpSpPr>
-      <p:grpSpPr>
-        <a:xfrm>
-          <a:off x="0" y="0"/>
-          <a:ext cx="0" cy="0"/>
-          <a:chOff x="0" y="0"/>
-          <a:chExt cx="0" cy="0"/>
-        </a:xfrm>
-      </p:grpSpPr>
-      <p:sp>
-        <p:nvSpPr>
-          <p:cNvPr id="2" name="제목 1"/>
-          <p:cNvSpPr>
-            <a:spLocks noGrp="1"/>
-          </p:cNvSpPr>
-          <p:nvPr>
-            <p:ph type="title"/>
-          </p:nvPr>
-        </p:nvSpPr>
-        <p:spPr/>
-        <p:txBody>
-          <a:bodyPr/>
-          <a:lstStyle/>
-          <a:p>
-            <a:r>
-              <a:rPr lang="ko-KR" altLang="en-US" dirty="0"/>
-              <a:t>캠프에 임하면 좋은 자세는</a:t>
-            </a:r>
-            <a:r>
-              <a:rPr lang="en-US" altLang="ko-KR" dirty="0"/>
-              <a:t>…</a:t>
-            </a:r>
-          </a:p>
-        </p:txBody>
-      </p:sp>
-      <p:sp>
-        <p:nvSpPr>
-          <p:cNvPr id="3" name="내용 개체 틀 3"/>
-          <p:cNvSpPr>
-            <a:spLocks noGrp="1"/>
-          </p:cNvSpPr>
-          <p:nvPr>
-            <p:ph idx="1"/>
-          </p:nvPr>
-        </p:nvSpPr>
-        <p:spPr>
-          <a:xfrm>
-            <a:off x="913794" y="1825625"/>
-            <a:ext cx="10353761" cy="4501034"/>
-          </a:xfrm>
-        </p:spPr>
-        <p:txBody>
-          <a:bodyPr>
-            <a:normAutofit fontScale="92500" lnSpcReduction="20000"/>
-          </a:bodyPr>
-          <a:lstStyle/>
-          <a:p>
-            <a:r>
-              <a:rPr lang="ko-KR" altLang="en-US" dirty="0" err="1" smtClean="0"/>
-              <a:t>백문이불여일견</a:t>
-            </a:r>
-            <a:r>
-              <a:rPr lang="en-US" altLang="ko-KR" dirty="0" smtClean="0"/>
-              <a:t>, </a:t>
-            </a:r>
-            <a:r>
-              <a:rPr lang="ko-KR" altLang="en-US" dirty="0" err="1" smtClean="0"/>
-              <a:t>백문견불여일타</a:t>
-            </a:r>
-            <a:r>
-              <a:rPr lang="en-US" altLang="ko-KR" dirty="0" smtClean="0"/>
-              <a:t>!</a:t>
-            </a:r>
-          </a:p>
-          <a:p>
-            <a:pPr lvl="1"/>
-            <a:r>
-              <a:rPr lang="ko-KR" altLang="en-US" dirty="0" err="1" smtClean="0"/>
-              <a:t>듣는거</a:t>
-            </a:r>
-            <a:r>
-              <a:rPr lang="ko-KR" altLang="en-US" dirty="0" smtClean="0"/>
-              <a:t> 보다 </a:t>
-            </a:r>
-            <a:r>
-              <a:rPr lang="ko-KR" altLang="en-US" dirty="0" err="1" smtClean="0"/>
-              <a:t>보는게</a:t>
-            </a:r>
-            <a:r>
-              <a:rPr lang="ko-KR" altLang="en-US" dirty="0" smtClean="0"/>
-              <a:t> 낫고</a:t>
-            </a:r>
-            <a:r>
-              <a:rPr lang="en-US" altLang="ko-KR" dirty="0" smtClean="0"/>
-              <a:t>, </a:t>
-            </a:r>
-            <a:r>
-              <a:rPr lang="ko-KR" altLang="en-US" dirty="0" smtClean="0"/>
-              <a:t>보는 것보다도 직접 </a:t>
-            </a:r>
-            <a:r>
-              <a:rPr lang="ko-KR" altLang="en-US" dirty="0" err="1" smtClean="0"/>
-              <a:t>쳐보는게</a:t>
-            </a:r>
-            <a:r>
-              <a:rPr lang="ko-KR" altLang="en-US" dirty="0" smtClean="0"/>
-              <a:t> 가장 좋습니다</a:t>
-            </a:r>
-            <a:r>
-              <a:rPr lang="en-US" altLang="ko-KR" dirty="0" smtClean="0"/>
-              <a:t>.</a:t>
-            </a:r>
-          </a:p>
-          <a:p>
-            <a:pPr lvl="1"/>
-            <a:r>
-              <a:rPr lang="ko-KR" altLang="en-US" dirty="0" smtClean="0"/>
-              <a:t>캠프의 자료는 이미 올려놨지만 최대한 직접 쳐보세요</a:t>
-            </a:r>
-            <a:r>
-              <a:rPr lang="en-US" altLang="ko-KR" dirty="0" smtClean="0"/>
-              <a:t>.</a:t>
-            </a:r>
-          </a:p>
-          <a:p>
-            <a:pPr lvl="1"/>
-            <a:endParaRPr lang="en-US" altLang="ko-KR" dirty="0"/>
-          </a:p>
-          <a:p>
-            <a:r>
-              <a:rPr lang="ko-KR" altLang="en-US" dirty="0" smtClean="0"/>
-              <a:t>캠프에서 본인이 진행한 자료를 남기겠다는 목표를 가질 것</a:t>
-            </a:r>
-            <a:r>
-              <a:rPr lang="en-US" altLang="ko-KR" dirty="0" smtClean="0"/>
-              <a:t>!</a:t>
-            </a:r>
-          </a:p>
-          <a:p>
-            <a:pPr lvl="1"/>
-            <a:r>
-              <a:rPr lang="ko-KR" altLang="en-US" dirty="0" smtClean="0"/>
-              <a:t>실제로 중고등학생 및 대학생들이 원하는 모델을 만들어 적용해보고 있습니다</a:t>
-            </a:r>
-            <a:r>
-              <a:rPr lang="en-US" altLang="ko-KR" dirty="0" smtClean="0"/>
-              <a:t>.</a:t>
-            </a:r>
-          </a:p>
-          <a:p>
-            <a:pPr lvl="1"/>
-            <a:r>
-              <a:rPr lang="en-US" altLang="ko-KR" dirty="0" smtClean="0"/>
-              <a:t>(</a:t>
-            </a:r>
-            <a:r>
-              <a:rPr lang="ko-KR" altLang="en-US" dirty="0" err="1" smtClean="0"/>
-              <a:t>딥러닝</a:t>
-            </a:r>
-            <a:r>
-              <a:rPr lang="ko-KR" altLang="en-US" dirty="0" smtClean="0"/>
-              <a:t> 분야는 대학원 이상의 분야이지만 최근 </a:t>
-            </a:r>
-            <a:r>
-              <a:rPr lang="ko-KR" altLang="en-US" dirty="0" smtClean="0"/>
-              <a:t>일반인들도 접근하기 쉬워진 것이 한 몫</a:t>
-            </a:r>
-            <a:r>
-              <a:rPr lang="en-US" altLang="ko-KR" dirty="0" smtClean="0"/>
-              <a:t>)</a:t>
-            </a:r>
-            <a:endParaRPr lang="en-US" altLang="ko-KR" dirty="0"/>
-          </a:p>
-          <a:p>
-            <a:endParaRPr lang="en-US" altLang="ko-KR" dirty="0" smtClean="0"/>
-          </a:p>
-          <a:p>
-            <a:r>
-              <a:rPr lang="ko-KR" altLang="en-US" dirty="0" smtClean="0"/>
-              <a:t>질문사항이 있을 때는 언제든지 질문하세요</a:t>
-            </a:r>
-            <a:r>
-              <a:rPr lang="en-US" altLang="ko-KR" dirty="0" smtClean="0"/>
-              <a:t>.</a:t>
-            </a:r>
-          </a:p>
-          <a:p>
-            <a:pPr lvl="1"/>
-            <a:r>
-              <a:rPr lang="ko-KR" altLang="en-US" dirty="0" smtClean="0"/>
-              <a:t>진도 방해라든가 </a:t>
-            </a:r>
-            <a:r>
-              <a:rPr lang="ko-KR" altLang="en-US" dirty="0" err="1" smtClean="0"/>
-              <a:t>이런거</a:t>
-            </a:r>
-            <a:r>
-              <a:rPr lang="ko-KR" altLang="en-US" dirty="0" smtClean="0"/>
-              <a:t> </a:t>
-            </a:r>
-            <a:r>
-              <a:rPr lang="ko-KR" altLang="en-US" dirty="0" err="1" smtClean="0"/>
-              <a:t>신경쓰지</a:t>
-            </a:r>
-            <a:r>
-              <a:rPr lang="ko-KR" altLang="en-US" dirty="0" smtClean="0"/>
-              <a:t> 마세요</a:t>
-            </a:r>
-            <a:r>
-              <a:rPr lang="en-US" altLang="ko-KR" dirty="0" smtClean="0"/>
-              <a:t>.</a:t>
-            </a:r>
-            <a:endParaRPr lang="en-US" altLang="ko-KR" dirty="0"/>
-          </a:p>
-          <a:p>
-            <a:pPr lvl="1"/>
-            <a:r>
-              <a:rPr lang="ko-KR" altLang="en-US" dirty="0" smtClean="0"/>
-              <a:t>다만 언어 문법에 대해서 이해가 되지 </a:t>
-            </a:r>
-            <a:r>
-              <a:rPr lang="ko-KR" altLang="en-US" dirty="0" err="1" smtClean="0"/>
-              <a:t>않는건</a:t>
-            </a:r>
-            <a:r>
-              <a:rPr lang="ko-KR" altLang="en-US" dirty="0" smtClean="0"/>
-              <a:t> 어쩔 수가 없습니다</a:t>
-            </a:r>
-            <a:r>
-              <a:rPr lang="en-US" altLang="ko-KR" dirty="0" smtClean="0"/>
-              <a:t>.</a:t>
-            </a:r>
-          </a:p>
-          <a:p>
-            <a:pPr lvl="1"/>
-            <a:r>
-              <a:rPr lang="en-US" altLang="ko-KR" dirty="0" err="1" smtClean="0"/>
-              <a:t>E.g</a:t>
-            </a:r>
-            <a:r>
-              <a:rPr lang="en-US" altLang="ko-KR" dirty="0" smtClean="0"/>
-              <a:t>) </a:t>
-            </a:r>
-            <a:r>
-              <a:rPr lang="ko-KR" altLang="en-US" dirty="0"/>
-              <a:t>아</a:t>
-            </a:r>
-            <a:r>
-              <a:rPr lang="ko-KR" altLang="en-US" dirty="0" smtClean="0"/>
-              <a:t>기가 엄마</a:t>
-            </a:r>
-            <a:r>
-              <a:rPr lang="en-US" altLang="ko-KR" dirty="0" smtClean="0"/>
-              <a:t>, </a:t>
-            </a:r>
-            <a:r>
-              <a:rPr lang="ko-KR" altLang="en-US" dirty="0" smtClean="0"/>
-              <a:t>아빠라는 단어를 이해하고 부르진 않죠</a:t>
-            </a:r>
-            <a:r>
-              <a:rPr lang="en-US" altLang="ko-KR" dirty="0" smtClean="0"/>
-              <a:t>…^^</a:t>
-            </a:r>
-            <a:endParaRPr lang="en-US" altLang="ko-KR" dirty="0" smtClean="0"/>
-          </a:p>
-        </p:txBody>
-      </p:sp>
-    </p:spTree>
-    <p:extLst>
-      <p:ext uri="{BB962C8B-B14F-4D97-AF65-F5344CB8AC3E}">
-        <p14:creationId xmlns:p14="http://schemas.microsoft.com/office/powerpoint/2010/main" val="2894110959"/>
-      </p:ext>
-    </p:extLst>
-  </p:cSld>
-  <p:clrMapOvr>
-    <a:masterClrMapping/>
-  </p:clrMapOvr>
-</p:sld>
-</file>
-
-<file path=ppt/slides/slide8.xml><?xml version="1.0" encoding="utf-8"?>
-<p:sld xmlns:a="http://schemas.openxmlformats.org/drawingml/2006/main" xmlns:r="http://schemas.openxmlformats.org/officeDocument/2006/relationships" xmlns:p="http://schemas.openxmlformats.org/presentationml/2006/main">
-  <p:cSld>
-    <p:spTree>
-      <p:nvGrpSpPr>
-        <p:cNvPr id="1" name=""/>
-        <p:cNvGrpSpPr/>
-        <p:nvPr/>
-      </p:nvGrpSpPr>
-      <p:grpSpPr>
-        <a:xfrm>
-          <a:off x="0" y="0"/>
-          <a:ext cx="0" cy="0"/>
-          <a:chOff x="0" y="0"/>
-          <a:chExt cx="0" cy="0"/>
-        </a:xfrm>
-      </p:grpSpPr>
-      <p:sp>
-        <p:nvSpPr>
-          <p:cNvPr id="2" name="제목 1"/>
-          <p:cNvSpPr>
-            <a:spLocks noGrp="1"/>
-          </p:cNvSpPr>
-          <p:nvPr>
-            <p:ph type="title"/>
-          </p:nvPr>
-        </p:nvSpPr>
-        <p:spPr/>
-        <p:txBody>
-          <a:bodyPr/>
-          <a:lstStyle/>
-          <a:p>
-            <a:r>
-              <a:rPr lang="ko-KR" altLang="en-US" dirty="0" smtClean="0"/>
-              <a:t>진행 순서</a:t>
-            </a:r>
-            <a:endParaRPr lang="ko-KR" altLang="en-US" dirty="0"/>
-          </a:p>
-        </p:txBody>
-      </p:sp>
-      <p:sp>
-        <p:nvSpPr>
-          <p:cNvPr id="9" name="내용 개체 틀 3"/>
-          <p:cNvSpPr>
-            <a:spLocks noGrp="1"/>
-          </p:cNvSpPr>
-          <p:nvPr>
-            <p:ph idx="1"/>
-          </p:nvPr>
-        </p:nvSpPr>
-        <p:spPr>
-          <a:xfrm>
-            <a:off x="913794" y="1825625"/>
-            <a:ext cx="10353761" cy="4501034"/>
-          </a:xfrm>
-        </p:spPr>
-        <p:txBody>
-          <a:bodyPr>
-            <a:normAutofit/>
-          </a:bodyPr>
-          <a:lstStyle/>
-          <a:p>
             <a:pPr marL="457200" indent="-457200">
               <a:buFont typeface="+mj-lt"/>
               <a:buAutoNum type="arabicPeriod"/>
@@ -7751,19 +6462,12 @@
               <a:t>&amp; Python </a:t>
             </a:r>
             <a:r>
-              <a:rPr lang="ko-KR" altLang="en-US" dirty="0" smtClean="0"/>
-              <a:t>기초 실습</a:t>
-            </a:r>
-            <a:endParaRPr lang="en-US" altLang="ko-KR" dirty="0" smtClean="0"/>
-          </a:p>
-          <a:p>
-            <a:pPr marL="457200" indent="-457200">
-              <a:buFont typeface="+mj-lt"/>
-              <a:buAutoNum type="arabicPeriod"/>
-            </a:pPr>
-            <a:r>
-              <a:rPr lang="ko-KR" altLang="en-US" dirty="0" smtClean="0"/>
-              <a:t>점심 시간</a:t>
+              <a:rPr lang="ko-KR" altLang="en-US" smtClean="0"/>
+              <a:t>기초 </a:t>
+            </a:r>
+            <a:r>
+              <a:rPr lang="ko-KR" altLang="en-US" smtClean="0"/>
+              <a:t>실습</a:t>
             </a:r>
             <a:endParaRPr lang="en-US" altLang="ko-KR" dirty="0" smtClean="0"/>
           </a:p>
